--- a/School presentatie/project taxi.pptx
+++ b/School presentatie/project taxi.pptx
@@ -208,7 +208,7 @@
             <a:pPr rtl="0"/>
             <a:fld id="{4D5CBF20-8CAD-468D-A237-30B793FCDFFC}" type="datetime1">
               <a:rPr lang="fr-FR" smtClean="0"/>
-              <a:t>15/03/2023</a:t>
+              <a:t>16/03/2023</a:t>
             </a:fld>
             <a:endParaRPr lang="fr-FR"/>
           </a:p>
@@ -378,7 +378,7 @@
             <a:pPr rtl="0"/>
             <a:fld id="{5E6097B8-5A5F-4934-BCE0-7D20EB7D9BD6}" type="datetime1">
               <a:rPr lang="fr-FR" noProof="0" smtClean="0"/>
-              <a:t>15/03/2023</a:t>
+              <a:t>16/03/2023</a:t>
             </a:fld>
             <a:endParaRPr lang="fr-FR" noProof="0"/>
           </a:p>
@@ -2119,7 +2119,7 @@
             <a:pPr rtl="0"/>
             <a:fld id="{BA129467-258B-4441-9B2F-A080CFB411B7}" type="datetime1">
               <a:rPr lang="fr-FR" noProof="0" smtClean="0"/>
-              <a:t>15/03/2023</a:t>
+              <a:t>16/03/2023</a:t>
             </a:fld>
             <a:endParaRPr lang="fr-FR" noProof="0"/>
           </a:p>
@@ -2356,7 +2356,7 @@
             <a:pPr rtl="0"/>
             <a:fld id="{96A069A3-0D4F-45EE-946B-D837B6ADCEC4}" type="datetime1">
               <a:rPr lang="fr-FR" noProof="0" smtClean="0"/>
-              <a:t>15/03/2023</a:t>
+              <a:t>16/03/2023</a:t>
             </a:fld>
             <a:endParaRPr lang="fr-FR" noProof="0"/>
           </a:p>
@@ -2534,7 +2534,7 @@
             <a:pPr rtl="0"/>
             <a:fld id="{DE61B7F7-055E-4A54-BACE-5E45A6C2E442}" type="datetime1">
               <a:rPr lang="fr-FR" noProof="0" smtClean="0"/>
-              <a:t>15/03/2023</a:t>
+              <a:t>16/03/2023</a:t>
             </a:fld>
             <a:endParaRPr lang="fr-FR" noProof="0"/>
           </a:p>
@@ -2702,7 +2702,7 @@
             <a:pPr rtl="0"/>
             <a:fld id="{B6E2E277-A776-4BF7-9CCA-C156DCBAB9CB}" type="datetime1">
               <a:rPr lang="fr-FR" noProof="0" smtClean="0"/>
-              <a:t>15/03/2023</a:t>
+              <a:t>16/03/2023</a:t>
             </a:fld>
             <a:endParaRPr lang="fr-FR" noProof="0"/>
           </a:p>
@@ -2977,7 +2977,7 @@
             <a:pPr rtl="0"/>
             <a:fld id="{A73A7AAE-E083-4E87-9643-E124EFA5CC1D}" type="datetime1">
               <a:rPr lang="fr-FR" noProof="0" smtClean="0"/>
-              <a:t>15/03/2023</a:t>
+              <a:t>16/03/2023</a:t>
             </a:fld>
             <a:endParaRPr lang="fr-FR" noProof="0"/>
           </a:p>
@@ -4176,7 +4176,7 @@
             <a:pPr rtl="0"/>
             <a:fld id="{94FC0805-944E-46C7-B46D-163A150E891A}" type="datetime1">
               <a:rPr lang="fr-FR" noProof="0" smtClean="0"/>
-              <a:t>15/03/2023</a:t>
+              <a:t>16/03/2023</a:t>
             </a:fld>
             <a:endParaRPr lang="fr-FR" noProof="0"/>
           </a:p>
@@ -4563,7 +4563,7 @@
             <a:pPr rtl="0"/>
             <a:fld id="{3A339FA5-C09C-47E6-B36B-795BCA6A9029}" type="datetime1">
               <a:rPr lang="fr-FR" noProof="0" smtClean="0"/>
-              <a:t>15/03/2023</a:t>
+              <a:t>16/03/2023</a:t>
             </a:fld>
             <a:endParaRPr lang="fr-FR" noProof="0"/>
           </a:p>
@@ -4685,7 +4685,7 @@
             <a:pPr rtl="0"/>
             <a:fld id="{99437622-C5A0-4638-8F2F-06E5991807F0}" type="datetime1">
               <a:rPr lang="fr-FR" noProof="0" smtClean="0"/>
-              <a:t>15/03/2023</a:t>
+              <a:t>16/03/2023</a:t>
             </a:fld>
             <a:endParaRPr lang="fr-FR" noProof="0"/>
           </a:p>
@@ -4778,7 +4778,7 @@
             <a:pPr rtl="0"/>
             <a:fld id="{793AA977-64B2-483C-84AD-235DB63A58AB}" type="datetime1">
               <a:rPr lang="fr-FR" noProof="0" smtClean="0"/>
-              <a:t>15/03/2023</a:t>
+              <a:t>16/03/2023</a:t>
             </a:fld>
             <a:endParaRPr lang="fr-FR" noProof="0"/>
           </a:p>
@@ -5539,7 +5539,7 @@
             <a:pPr rtl="0"/>
             <a:fld id="{1A02019A-50FA-4864-9989-C5BA2B9DC06C}" type="datetime1">
               <a:rPr lang="fr-FR" noProof="0" smtClean="0"/>
-              <a:t>15/03/2023</a:t>
+              <a:t>16/03/2023</a:t>
             </a:fld>
             <a:endParaRPr lang="fr-FR" noProof="0"/>
           </a:p>
@@ -6378,7 +6378,7 @@
             <a:pPr rtl="0"/>
             <a:fld id="{25F55077-5A8F-442F-AB5A-6480324EF100}" type="datetime1">
               <a:rPr lang="fr-FR" noProof="0" smtClean="0"/>
-              <a:t>15/03/2023</a:t>
+              <a:t>16/03/2023</a:t>
             </a:fld>
             <a:endParaRPr lang="fr-FR" noProof="0"/>
           </a:p>
@@ -6602,7 +6602,7 @@
             <a:pPr rtl="0"/>
             <a:fld id="{6CBF3019-4F04-4476-AD0C-1B371B6A9B46}" type="datetime1">
               <a:rPr lang="fr-FR" noProof="0" smtClean="0"/>
-              <a:t>15/03/2023</a:t>
+              <a:t>16/03/2023</a:t>
             </a:fld>
             <a:endParaRPr lang="fr-FR" noProof="0"/>
           </a:p>
@@ -9450,8 +9450,10 @@
               <a:buNone/>
             </a:pPr>
             <a:r>
-              <a:rPr lang="nl-BE" dirty="0"/>
-              <a:t>	</a:t>
+              <a:rPr lang="nl-BE" dirty="0">
+                <a:sym typeface="Wingdings" panose="05000000000000000000" pitchFamily="2" charset="2"/>
+              </a:rPr>
+              <a:t>	 </a:t>
             </a:r>
             <a:r>
               <a:rPr lang="nl-BE" dirty="0" err="1"/>
@@ -9468,7 +9470,17 @@
             </a:pPr>
             <a:r>
               <a:rPr lang="nl-BE" dirty="0"/>
-              <a:t>	Vaste bron creëren.</a:t>
+              <a:t>	</a:t>
+            </a:r>
+            <a:r>
+              <a:rPr lang="nl-BE" dirty="0">
+                <a:sym typeface="Wingdings" panose="05000000000000000000" pitchFamily="2" charset="2"/>
+              </a:rPr>
+              <a:t></a:t>
+            </a:r>
+            <a:r>
+              <a:rPr lang="nl-BE" dirty="0"/>
+              <a:t> Vaste bron creëren.</a:t>
             </a:r>
           </a:p>
           <a:p>
@@ -9516,15 +9528,6 @@
           <a:solidFill>
             <a:srgbClr val="FFFFFF"/>
           </a:solidFill>
-          <a:extLst>
-            <a:ext uri="{909E8E84-426E-40DD-AFC4-6F175D3DCCD1}">
-              <a14:hiddenFill xmlns:a14="http://schemas.microsoft.com/office/drawing/2010/main">
-                <a:solidFill>
-                  <a:srgbClr val="FFFFFF"/>
-                </a:solidFill>
-              </a14:hiddenFill>
-            </a:ext>
-          </a:extLst>
         </p:spPr>
       </p:pic>
       <p:pic>
@@ -10598,20 +10601,20 @@
 </file>
 
 <file path=customXml/item2.xml><?xml version="1.0" encoding="utf-8"?>
+<p:properties xmlns:p="http://schemas.microsoft.com/office/2006/metadata/properties" xmlns:xsi="http://www.w3.org/2001/XMLSchema-instance" xmlns:pc="http://schemas.microsoft.com/office/infopath/2007/PartnerControls">
+  <documentManagement>
+    <MediaServiceKeyPoints xmlns="71af3243-3dd4-4a8d-8c0d-dd76da1f02a5" xsi:nil="true"/>
+  </documentManagement>
+</p:properties>
+</file>
+
+<file path=customXml/item3.xml><?xml version="1.0" encoding="utf-8"?>
 <?mso-contentType ?>
 <FormTemplates xmlns="http://schemas.microsoft.com/sharepoint/v3/contenttype/forms">
   <Display>DocumentLibraryForm</Display>
   <Edit>DocumentLibraryForm</Edit>
   <New>DocumentLibraryForm</New>
 </FormTemplates>
-</file>
-
-<file path=customXml/item3.xml><?xml version="1.0" encoding="utf-8"?>
-<p:properties xmlns:p="http://schemas.microsoft.com/office/2006/metadata/properties" xmlns:xsi="http://www.w3.org/2001/XMLSchema-instance" xmlns:pc="http://schemas.microsoft.com/office/infopath/2007/PartnerControls">
-  <documentManagement>
-    <MediaServiceKeyPoints xmlns="71af3243-3dd4-4a8d-8c0d-dd76da1f02a5" xsi:nil="true"/>
-  </documentManagement>
-</p:properties>
 </file>
 
 <file path=customXml/itemProps1.xml><?xml version="1.0" encoding="utf-8"?>
@@ -10634,14 +10637,6 @@
 </file>
 
 <file path=customXml/itemProps2.xml><?xml version="1.0" encoding="utf-8"?>
-<ds:datastoreItem xmlns:ds="http://schemas.openxmlformats.org/officeDocument/2006/customXml" ds:itemID="{032C9D10-CA80-4BC9-9D59-B4B9486E9328}">
-  <ds:schemaRefs>
-    <ds:schemaRef ds:uri="http://schemas.microsoft.com/sharepoint/v3/contenttype/forms"/>
-  </ds:schemaRefs>
-</ds:datastoreItem>
-</file>
-
-<file path=customXml/itemProps3.xml><?xml version="1.0" encoding="utf-8"?>
 <ds:datastoreItem xmlns:ds="http://schemas.openxmlformats.org/officeDocument/2006/customXml" ds:itemID="{055D5C12-9048-448D-A69C-F00736C0732E}">
   <ds:schemaRefs>
     <ds:schemaRef ds:uri="http://schemas.microsoft.com/office/2006/metadata/properties"/>
@@ -10649,4 +10644,12 @@
     <ds:schemaRef ds:uri="71af3243-3dd4-4a8d-8c0d-dd76da1f02a5"/>
   </ds:schemaRefs>
 </ds:datastoreItem>
+</file>
+
+<file path=customXml/itemProps3.xml><?xml version="1.0" encoding="utf-8"?>
+<ds:datastoreItem xmlns:ds="http://schemas.openxmlformats.org/officeDocument/2006/customXml" ds:itemID="{032C9D10-CA80-4BC9-9D59-B4B9486E9328}">
+  <ds:schemaRefs>
+    <ds:schemaRef ds:uri="http://schemas.microsoft.com/sharepoint/v3/contenttype/forms"/>
+  </ds:schemaRefs>
+</ds:datastoreItem>
 </file>
--- a/School presentatie/project taxi.pptx
+++ b/School presentatie/project taxi.pptx
@@ -5,16 +5,20 @@
     <p:sldMasterId id="2147483648" r:id="rId4"/>
   </p:sldMasterIdLst>
   <p:notesMasterIdLst>
-    <p:notesMasterId r:id="rId9"/>
+    <p:notesMasterId r:id="rId13"/>
   </p:notesMasterIdLst>
   <p:handoutMasterIdLst>
-    <p:handoutMasterId r:id="rId10"/>
+    <p:handoutMasterId r:id="rId14"/>
   </p:handoutMasterIdLst>
   <p:sldIdLst>
     <p:sldId id="267" r:id="rId5"/>
-    <p:sldId id="271" r:id="rId6"/>
-    <p:sldId id="272" r:id="rId7"/>
-    <p:sldId id="269" r:id="rId8"/>
+    <p:sldId id="273" r:id="rId6"/>
+    <p:sldId id="274" r:id="rId7"/>
+    <p:sldId id="275" r:id="rId8"/>
+    <p:sldId id="271" r:id="rId9"/>
+    <p:sldId id="272" r:id="rId10"/>
+    <p:sldId id="269" r:id="rId11"/>
+    <p:sldId id="276" r:id="rId12"/>
   </p:sldIdLst>
   <p:sldSz cx="12192000" cy="6858000"/>
   <p:notesSz cx="6858000" cy="9144000"/>
@@ -801,7 +805,7 @@
             <a:pPr rtl="0"/>
             <a:fld id="{62B46F2B-1084-40BA-9F0A-B1F6847335C5}" type="slidenum">
               <a:rPr lang="fr-FR" noProof="0" smtClean="0"/>
-              <a:t>2</a:t>
+              <a:t>5</a:t>
             </a:fld>
             <a:endParaRPr lang="fr-FR" noProof="0"/>
           </a:p>
@@ -886,7 +890,7 @@
             <a:pPr rtl="0"/>
             <a:fld id="{62B46F2B-1084-40BA-9F0A-B1F6847335C5}" type="slidenum">
               <a:rPr lang="fr-FR" noProof="0" smtClean="0"/>
-              <a:t>3</a:t>
+              <a:t>6</a:t>
             </a:fld>
             <a:endParaRPr lang="fr-FR" noProof="0"/>
           </a:p>
@@ -896,6 +900,91 @@
     <p:extLst>
       <p:ext uri="{BB962C8B-B14F-4D97-AF65-F5344CB8AC3E}">
         <p14:creationId xmlns:p14="http://schemas.microsoft.com/office/powerpoint/2010/main" val="2611662488"/>
+      </p:ext>
+    </p:extLst>
+  </p:cSld>
+  <p:clrMapOvr>
+    <a:masterClrMapping/>
+  </p:clrMapOvr>
+</p:notes>
+</file>
+
+<file path=ppt/notesSlides/notesSlide4.xml><?xml version="1.0" encoding="utf-8"?>
+<p:notes xmlns:a="http://schemas.openxmlformats.org/drawingml/2006/main" xmlns:r="http://schemas.openxmlformats.org/officeDocument/2006/relationships" xmlns:p="http://schemas.openxmlformats.org/presentationml/2006/main">
+  <p:cSld>
+    <p:spTree>
+      <p:nvGrpSpPr>
+        <p:cNvPr id="1" name=""/>
+        <p:cNvGrpSpPr/>
+        <p:nvPr/>
+      </p:nvGrpSpPr>
+      <p:grpSpPr>
+        <a:xfrm>
+          <a:off x="0" y="0"/>
+          <a:ext cx="0" cy="0"/>
+          <a:chOff x="0" y="0"/>
+          <a:chExt cx="0" cy="0"/>
+        </a:xfrm>
+      </p:grpSpPr>
+      <p:sp>
+        <p:nvSpPr>
+          <p:cNvPr id="2" name="Tijdelijke aanduiding voor dia-afbeelding 1"/>
+          <p:cNvSpPr>
+            <a:spLocks noGrp="1" noRot="1" noChangeAspect="1"/>
+          </p:cNvSpPr>
+          <p:nvPr>
+            <p:ph type="sldImg"/>
+          </p:nvPr>
+        </p:nvSpPr>
+        <p:spPr/>
+      </p:sp>
+      <p:sp>
+        <p:nvSpPr>
+          <p:cNvPr id="3" name="Tijdelijke aanduiding voor notities 2"/>
+          <p:cNvSpPr>
+            <a:spLocks noGrp="1"/>
+          </p:cNvSpPr>
+          <p:nvPr>
+            <p:ph type="body" idx="1"/>
+          </p:nvPr>
+        </p:nvSpPr>
+        <p:spPr/>
+        <p:txBody>
+          <a:bodyPr/>
+          <a:lstStyle/>
+          <a:p>
+            <a:endParaRPr lang="en-BE" dirty="0"/>
+          </a:p>
+        </p:txBody>
+      </p:sp>
+      <p:sp>
+        <p:nvSpPr>
+          <p:cNvPr id="4" name="Tijdelijke aanduiding voor dianummer 3"/>
+          <p:cNvSpPr>
+            <a:spLocks noGrp="1"/>
+          </p:cNvSpPr>
+          <p:nvPr>
+            <p:ph type="sldNum" sz="quarter" idx="5"/>
+          </p:nvPr>
+        </p:nvSpPr>
+        <p:spPr/>
+        <p:txBody>
+          <a:bodyPr/>
+          <a:lstStyle/>
+          <a:p>
+            <a:pPr rtl="0"/>
+            <a:fld id="{62B46F2B-1084-40BA-9F0A-B1F6847335C5}" type="slidenum">
+              <a:rPr lang="fr-FR" noProof="0" smtClean="0"/>
+              <a:t>8</a:t>
+            </a:fld>
+            <a:endParaRPr lang="fr-FR" noProof="0"/>
+          </a:p>
+        </p:txBody>
+      </p:sp>
+    </p:spTree>
+    <p:extLst>
+      <p:ext uri="{BB962C8B-B14F-4D97-AF65-F5344CB8AC3E}">
+        <p14:creationId xmlns:p14="http://schemas.microsoft.com/office/powerpoint/2010/main" val="404811906"/>
       </p:ext>
     </p:extLst>
   </p:cSld>
@@ -9016,6 +9105,1207 @@
           <p:cNvPr id="2" name="Titel 1">
             <a:extLst>
               <a:ext uri="{FF2B5EF4-FFF2-40B4-BE49-F238E27FC236}">
+                <a16:creationId xmlns:a16="http://schemas.microsoft.com/office/drawing/2014/main" id="{98EFFA19-8579-1D58-D2E5-D9170DDDCB35}"/>
+              </a:ext>
+            </a:extLst>
+          </p:cNvPr>
+          <p:cNvSpPr txBox="1">
+            <a:spLocks/>
+          </p:cNvSpPr>
+          <p:nvPr/>
+        </p:nvSpPr>
+        <p:spPr>
+          <a:xfrm>
+            <a:off x="1251678" y="382385"/>
+            <a:ext cx="10178322" cy="1492132"/>
+          </a:xfrm>
+          <a:prstGeom prst="rect">
+            <a:avLst/>
+          </a:prstGeom>
+        </p:spPr>
+        <p:txBody>
+          <a:bodyPr/>
+          <a:lstStyle>
+            <a:lvl1pPr algn="l" defTabSz="914400" rtl="0" eaLnBrk="1" latinLnBrk="0" hangingPunct="1">
+              <a:lnSpc>
+                <a:spcPct val="90000"/>
+              </a:lnSpc>
+              <a:spcBef>
+                <a:spcPct val="0"/>
+              </a:spcBef>
+              <a:buNone/>
+              <a:defRPr sz="5100" kern="1200" cap="all" spc="200" baseline="0">
+                <a:solidFill>
+                  <a:schemeClr val="tx2"/>
+                </a:solidFill>
+                <a:latin typeface="+mj-lt"/>
+                <a:ea typeface="+mj-ea"/>
+                <a:cs typeface="+mj-cs"/>
+              </a:defRPr>
+            </a:lvl1pPr>
+          </a:lstStyle>
+          <a:p>
+            <a:r>
+              <a:rPr lang="nl-BE" dirty="0"/>
+              <a:t>Inhoudstafel</a:t>
+            </a:r>
+          </a:p>
+        </p:txBody>
+      </p:sp>
+      <p:sp>
+        <p:nvSpPr>
+          <p:cNvPr id="3" name="Tijdelijke aanduiding voor inhoud 2">
+            <a:extLst>
+              <a:ext uri="{FF2B5EF4-FFF2-40B4-BE49-F238E27FC236}">
+                <a16:creationId xmlns:a16="http://schemas.microsoft.com/office/drawing/2014/main" id="{A9E0545A-BEFC-1AD2-87C2-67786BC9A646}"/>
+              </a:ext>
+            </a:extLst>
+          </p:cNvPr>
+          <p:cNvSpPr txBox="1">
+            <a:spLocks/>
+          </p:cNvSpPr>
+          <p:nvPr/>
+        </p:nvSpPr>
+        <p:spPr>
+          <a:xfrm>
+            <a:off x="1251678" y="2286001"/>
+            <a:ext cx="10178322" cy="3593591"/>
+          </a:xfrm>
+          <a:prstGeom prst="rect">
+            <a:avLst/>
+          </a:prstGeom>
+        </p:spPr>
+        <p:txBody>
+          <a:bodyPr/>
+          <a:lstStyle>
+            <a:lvl1pPr marL="228600" indent="-228600" algn="l" defTabSz="914400" rtl="0" eaLnBrk="1" latinLnBrk="0" hangingPunct="1">
+              <a:lnSpc>
+                <a:spcPct val="110000"/>
+              </a:lnSpc>
+              <a:spcBef>
+                <a:spcPts val="700"/>
+              </a:spcBef>
+              <a:buClr>
+                <a:schemeClr val="tx2"/>
+              </a:buClr>
+              <a:buFont typeface="Arial" panose="020B0604020202020204" pitchFamily="34" charset="0"/>
+              <a:buChar char="•"/>
+              <a:defRPr sz="2000" kern="1200">
+                <a:solidFill>
+                  <a:schemeClr val="tx1">
+                    <a:lumMod val="65000"/>
+                    <a:lumOff val="35000"/>
+                  </a:schemeClr>
+                </a:solidFill>
+                <a:latin typeface="+mn-lt"/>
+                <a:ea typeface="+mn-ea"/>
+                <a:cs typeface="+mn-cs"/>
+              </a:defRPr>
+            </a:lvl1pPr>
+            <a:lvl2pPr marL="685800" indent="-228600" algn="l" defTabSz="914400" rtl="0" eaLnBrk="1" latinLnBrk="0" hangingPunct="1">
+              <a:lnSpc>
+                <a:spcPct val="110000"/>
+              </a:lnSpc>
+              <a:spcBef>
+                <a:spcPts val="700"/>
+              </a:spcBef>
+              <a:buClr>
+                <a:schemeClr val="tx2"/>
+              </a:buClr>
+              <a:buFont typeface="Gill Sans MT" panose="020B0502020104020203" pitchFamily="34" charset="0"/>
+              <a:buChar char="–"/>
+              <a:defRPr sz="1800" kern="1200">
+                <a:solidFill>
+                  <a:schemeClr val="tx1">
+                    <a:lumMod val="65000"/>
+                    <a:lumOff val="35000"/>
+                  </a:schemeClr>
+                </a:solidFill>
+                <a:latin typeface="+mn-lt"/>
+                <a:ea typeface="+mn-ea"/>
+                <a:cs typeface="+mn-cs"/>
+              </a:defRPr>
+            </a:lvl2pPr>
+            <a:lvl3pPr marL="1143000" indent="-228600" algn="l" defTabSz="914400" rtl="0" eaLnBrk="1" latinLnBrk="0" hangingPunct="1">
+              <a:lnSpc>
+                <a:spcPct val="110000"/>
+              </a:lnSpc>
+              <a:spcBef>
+                <a:spcPts val="700"/>
+              </a:spcBef>
+              <a:buClr>
+                <a:schemeClr val="tx2"/>
+              </a:buClr>
+              <a:buFont typeface="Arial" panose="020B0604020202020204" pitchFamily="34" charset="0"/>
+              <a:buChar char="•"/>
+              <a:defRPr sz="1600" kern="1200">
+                <a:solidFill>
+                  <a:schemeClr val="tx1">
+                    <a:lumMod val="65000"/>
+                    <a:lumOff val="35000"/>
+                  </a:schemeClr>
+                </a:solidFill>
+                <a:latin typeface="+mn-lt"/>
+                <a:ea typeface="+mn-ea"/>
+                <a:cs typeface="+mn-cs"/>
+              </a:defRPr>
+            </a:lvl3pPr>
+            <a:lvl4pPr marL="1600200" indent="-228600" algn="l" defTabSz="914400" rtl="0" eaLnBrk="1" latinLnBrk="0" hangingPunct="1">
+              <a:lnSpc>
+                <a:spcPct val="110000"/>
+              </a:lnSpc>
+              <a:spcBef>
+                <a:spcPts val="700"/>
+              </a:spcBef>
+              <a:buClr>
+                <a:schemeClr val="tx2"/>
+              </a:buClr>
+              <a:buFont typeface="Gill Sans MT" panose="020B0502020104020203" pitchFamily="34" charset="0"/>
+              <a:buChar char="–"/>
+              <a:defRPr sz="1400" kern="1200">
+                <a:solidFill>
+                  <a:schemeClr val="tx1">
+                    <a:lumMod val="65000"/>
+                    <a:lumOff val="35000"/>
+                  </a:schemeClr>
+                </a:solidFill>
+                <a:latin typeface="+mn-lt"/>
+                <a:ea typeface="+mn-ea"/>
+                <a:cs typeface="+mn-cs"/>
+              </a:defRPr>
+            </a:lvl4pPr>
+            <a:lvl5pPr marL="2057400" indent="-228600" algn="l" defTabSz="914400" rtl="0" eaLnBrk="1" latinLnBrk="0" hangingPunct="1">
+              <a:lnSpc>
+                <a:spcPct val="110000"/>
+              </a:lnSpc>
+              <a:spcBef>
+                <a:spcPts val="700"/>
+              </a:spcBef>
+              <a:buClr>
+                <a:schemeClr val="tx2"/>
+              </a:buClr>
+              <a:buFont typeface="Arial" panose="020B0604020202020204" pitchFamily="34" charset="0"/>
+              <a:buChar char="•"/>
+              <a:defRPr sz="1400" kern="1200">
+                <a:solidFill>
+                  <a:schemeClr val="tx1">
+                    <a:lumMod val="65000"/>
+                    <a:lumOff val="35000"/>
+                  </a:schemeClr>
+                </a:solidFill>
+                <a:latin typeface="+mn-lt"/>
+                <a:ea typeface="+mn-ea"/>
+                <a:cs typeface="+mn-cs"/>
+              </a:defRPr>
+            </a:lvl5pPr>
+            <a:lvl6pPr marL="2514600" indent="-228600" algn="l" defTabSz="914400" rtl="0" eaLnBrk="1" latinLnBrk="0" hangingPunct="1">
+              <a:lnSpc>
+                <a:spcPct val="110000"/>
+              </a:lnSpc>
+              <a:spcBef>
+                <a:spcPts val="700"/>
+              </a:spcBef>
+              <a:buClr>
+                <a:schemeClr val="tx2"/>
+              </a:buClr>
+              <a:buFont typeface="Gill Sans MT" panose="020B0502020104020203" pitchFamily="34" charset="0"/>
+              <a:buChar char="–"/>
+              <a:defRPr sz="1400" kern="1200">
+                <a:solidFill>
+                  <a:schemeClr val="tx1">
+                    <a:lumMod val="65000"/>
+                    <a:lumOff val="35000"/>
+                  </a:schemeClr>
+                </a:solidFill>
+                <a:latin typeface="+mn-lt"/>
+                <a:ea typeface="+mn-ea"/>
+                <a:cs typeface="+mn-cs"/>
+              </a:defRPr>
+            </a:lvl6pPr>
+            <a:lvl7pPr marL="2971800" indent="-228600" algn="l" defTabSz="914400" rtl="0" eaLnBrk="1" latinLnBrk="0" hangingPunct="1">
+              <a:lnSpc>
+                <a:spcPct val="110000"/>
+              </a:lnSpc>
+              <a:spcBef>
+                <a:spcPts val="700"/>
+              </a:spcBef>
+              <a:buClr>
+                <a:schemeClr val="tx2"/>
+              </a:buClr>
+              <a:buFont typeface="Arial" panose="020B0604020202020204" pitchFamily="34" charset="0"/>
+              <a:buChar char="•"/>
+              <a:defRPr sz="1400" kern="1200">
+                <a:solidFill>
+                  <a:schemeClr val="tx1">
+                    <a:lumMod val="65000"/>
+                    <a:lumOff val="35000"/>
+                  </a:schemeClr>
+                </a:solidFill>
+                <a:latin typeface="+mn-lt"/>
+                <a:ea typeface="+mn-ea"/>
+                <a:cs typeface="+mn-cs"/>
+              </a:defRPr>
+            </a:lvl7pPr>
+            <a:lvl8pPr marL="3429000" indent="-228600" algn="l" defTabSz="914400" rtl="0" eaLnBrk="1" latinLnBrk="0" hangingPunct="1">
+              <a:lnSpc>
+                <a:spcPct val="110000"/>
+              </a:lnSpc>
+              <a:spcBef>
+                <a:spcPts val="700"/>
+              </a:spcBef>
+              <a:buClr>
+                <a:schemeClr val="tx2"/>
+              </a:buClr>
+              <a:buFont typeface="Gill Sans MT" panose="020B0502020104020203" pitchFamily="34" charset="0"/>
+              <a:buChar char="–"/>
+              <a:defRPr sz="1400" kern="1200" baseline="0">
+                <a:solidFill>
+                  <a:schemeClr val="tx1">
+                    <a:lumMod val="65000"/>
+                    <a:lumOff val="35000"/>
+                  </a:schemeClr>
+                </a:solidFill>
+                <a:latin typeface="+mn-lt"/>
+                <a:ea typeface="+mn-ea"/>
+                <a:cs typeface="+mn-cs"/>
+              </a:defRPr>
+            </a:lvl8pPr>
+            <a:lvl9pPr marL="3886200" indent="-228600" algn="l" defTabSz="914400" rtl="0" eaLnBrk="1" latinLnBrk="0" hangingPunct="1">
+              <a:lnSpc>
+                <a:spcPct val="110000"/>
+              </a:lnSpc>
+              <a:spcBef>
+                <a:spcPts val="700"/>
+              </a:spcBef>
+              <a:buClr>
+                <a:schemeClr val="tx2"/>
+              </a:buClr>
+              <a:buFont typeface="Arial" panose="020B0604020202020204" pitchFamily="34" charset="0"/>
+              <a:buChar char="•"/>
+              <a:defRPr sz="1400" kern="1200" baseline="0">
+                <a:solidFill>
+                  <a:schemeClr val="tx1">
+                    <a:lumMod val="65000"/>
+                    <a:lumOff val="35000"/>
+                  </a:schemeClr>
+                </a:solidFill>
+                <a:latin typeface="+mn-lt"/>
+                <a:ea typeface="+mn-ea"/>
+                <a:cs typeface="+mn-cs"/>
+              </a:defRPr>
+            </a:lvl9pPr>
+          </a:lstStyle>
+          <a:p>
+            <a:r>
+              <a:rPr lang="nl-BE" dirty="0"/>
+              <a:t>Opdracht</a:t>
+            </a:r>
+          </a:p>
+          <a:p>
+            <a:r>
+              <a:rPr lang="nl-BE" dirty="0"/>
+              <a:t>Plan</a:t>
+            </a:r>
+          </a:p>
+          <a:p>
+            <a:r>
+              <a:rPr lang="nl-BE" dirty="0"/>
+              <a:t>Project taxi</a:t>
+            </a:r>
+          </a:p>
+          <a:p>
+            <a:r>
+              <a:rPr lang="nl-BE" dirty="0"/>
+              <a:t>Prototype Scharniersysteem</a:t>
+            </a:r>
+          </a:p>
+          <a:p>
+            <a:r>
+              <a:rPr lang="nl-BE" dirty="0"/>
+              <a:t>Prototype geluidsinstallatie</a:t>
+            </a:r>
+          </a:p>
+          <a:p>
+            <a:endParaRPr lang="nl-BE" dirty="0"/>
+          </a:p>
+        </p:txBody>
+      </p:sp>
+      <p:pic>
+        <p:nvPicPr>
+          <p:cNvPr id="2050" name="Picture 2" descr="Taxi Antwerpen | luchthavenvervoer Antwerpen | Antwerpen Taxi">
+            <a:extLst>
+              <a:ext uri="{FF2B5EF4-FFF2-40B4-BE49-F238E27FC236}">
+                <a16:creationId xmlns:a16="http://schemas.microsoft.com/office/drawing/2014/main" id="{9FDF638C-DF47-EBB7-3F29-6FB333B689DA}"/>
+              </a:ext>
+            </a:extLst>
+          </p:cNvPr>
+          <p:cNvPicPr>
+            <a:picLocks noChangeAspect="1" noChangeArrowheads="1"/>
+          </p:cNvPicPr>
+          <p:nvPr/>
+        </p:nvPicPr>
+        <p:blipFill>
+          <a:blip r:embed="rId2">
+            <a:extLst>
+              <a:ext uri="{28A0092B-C50C-407E-A947-70E740481C1C}">
+                <a14:useLocalDpi xmlns:a14="http://schemas.microsoft.com/office/drawing/2010/main" val="0"/>
+              </a:ext>
+            </a:extLst>
+          </a:blip>
+          <a:srcRect/>
+          <a:stretch>
+            <a:fillRect/>
+          </a:stretch>
+        </p:blipFill>
+        <p:spPr bwMode="auto">
+          <a:xfrm>
+            <a:off x="6177822" y="1941254"/>
+            <a:ext cx="4762500" cy="3176588"/>
+          </a:xfrm>
+          <a:prstGeom prst="rect">
+            <a:avLst/>
+          </a:prstGeom>
+          <a:noFill/>
+          <a:extLst>
+            <a:ext uri="{909E8E84-426E-40DD-AFC4-6F175D3DCCD1}">
+              <a14:hiddenFill xmlns:a14="http://schemas.microsoft.com/office/drawing/2010/main">
+                <a:solidFill>
+                  <a:srgbClr val="FFFFFF"/>
+                </a:solidFill>
+              </a14:hiddenFill>
+            </a:ext>
+          </a:extLst>
+        </p:spPr>
+      </p:pic>
+    </p:spTree>
+    <p:extLst>
+      <p:ext uri="{BB962C8B-B14F-4D97-AF65-F5344CB8AC3E}">
+        <p14:creationId xmlns:p14="http://schemas.microsoft.com/office/powerpoint/2010/main" val="3000237791"/>
+      </p:ext>
+    </p:extLst>
+  </p:cSld>
+  <p:clrMapOvr>
+    <a:masterClrMapping/>
+  </p:clrMapOvr>
+</p:sld>
+</file>
+
+<file path=ppt/slides/slide3.xml><?xml version="1.0" encoding="utf-8"?>
+<p:sld xmlns:a="http://schemas.openxmlformats.org/drawingml/2006/main" xmlns:r="http://schemas.openxmlformats.org/officeDocument/2006/relationships" xmlns:p="http://schemas.openxmlformats.org/presentationml/2006/main">
+  <p:cSld>
+    <p:spTree>
+      <p:nvGrpSpPr>
+        <p:cNvPr id="1" name=""/>
+        <p:cNvGrpSpPr/>
+        <p:nvPr/>
+      </p:nvGrpSpPr>
+      <p:grpSpPr>
+        <a:xfrm>
+          <a:off x="0" y="0"/>
+          <a:ext cx="0" cy="0"/>
+          <a:chOff x="0" y="0"/>
+          <a:chExt cx="0" cy="0"/>
+        </a:xfrm>
+      </p:grpSpPr>
+      <p:sp>
+        <p:nvSpPr>
+          <p:cNvPr id="2" name="Titel 1">
+            <a:extLst>
+              <a:ext uri="{FF2B5EF4-FFF2-40B4-BE49-F238E27FC236}">
+                <a16:creationId xmlns:a16="http://schemas.microsoft.com/office/drawing/2014/main" id="{43358A59-6BC3-614C-0025-6BCA5A863876}"/>
+              </a:ext>
+            </a:extLst>
+          </p:cNvPr>
+          <p:cNvSpPr txBox="1">
+            <a:spLocks/>
+          </p:cNvSpPr>
+          <p:nvPr/>
+        </p:nvSpPr>
+        <p:spPr>
+          <a:xfrm>
+            <a:off x="1251678" y="382385"/>
+            <a:ext cx="10178322" cy="1492132"/>
+          </a:xfrm>
+          <a:prstGeom prst="rect">
+            <a:avLst/>
+          </a:prstGeom>
+        </p:spPr>
+        <p:txBody>
+          <a:bodyPr/>
+          <a:lstStyle>
+            <a:lvl1pPr algn="l" defTabSz="914400" rtl="0" eaLnBrk="1" latinLnBrk="0" hangingPunct="1">
+              <a:lnSpc>
+                <a:spcPct val="90000"/>
+              </a:lnSpc>
+              <a:spcBef>
+                <a:spcPct val="0"/>
+              </a:spcBef>
+              <a:buNone/>
+              <a:defRPr sz="5100" kern="1200" cap="all" spc="200" baseline="0">
+                <a:solidFill>
+                  <a:schemeClr val="tx2"/>
+                </a:solidFill>
+                <a:latin typeface="+mj-lt"/>
+                <a:ea typeface="+mj-ea"/>
+                <a:cs typeface="+mj-cs"/>
+              </a:defRPr>
+            </a:lvl1pPr>
+          </a:lstStyle>
+          <a:p>
+            <a:r>
+              <a:rPr lang="nl-BE" dirty="0"/>
+              <a:t>Opdracht</a:t>
+            </a:r>
+          </a:p>
+        </p:txBody>
+      </p:sp>
+      <p:sp>
+        <p:nvSpPr>
+          <p:cNvPr id="3" name="Tijdelijke aanduiding voor inhoud 2">
+            <a:extLst>
+              <a:ext uri="{FF2B5EF4-FFF2-40B4-BE49-F238E27FC236}">
+                <a16:creationId xmlns:a16="http://schemas.microsoft.com/office/drawing/2014/main" id="{F04F8FB2-E7C0-7809-9F4A-A97EF73F0D60}"/>
+              </a:ext>
+            </a:extLst>
+          </p:cNvPr>
+          <p:cNvSpPr txBox="1">
+            <a:spLocks/>
+          </p:cNvSpPr>
+          <p:nvPr/>
+        </p:nvSpPr>
+        <p:spPr>
+          <a:xfrm>
+            <a:off x="1251678" y="2286001"/>
+            <a:ext cx="10178322" cy="3593591"/>
+          </a:xfrm>
+          <a:prstGeom prst="rect">
+            <a:avLst/>
+          </a:prstGeom>
+        </p:spPr>
+        <p:txBody>
+          <a:bodyPr/>
+          <a:lstStyle>
+            <a:lvl1pPr marL="228600" indent="-228600" algn="l" defTabSz="914400" rtl="0" eaLnBrk="1" latinLnBrk="0" hangingPunct="1">
+              <a:lnSpc>
+                <a:spcPct val="110000"/>
+              </a:lnSpc>
+              <a:spcBef>
+                <a:spcPts val="700"/>
+              </a:spcBef>
+              <a:buClr>
+                <a:schemeClr val="tx2"/>
+              </a:buClr>
+              <a:buFont typeface="Arial" panose="020B0604020202020204" pitchFamily="34" charset="0"/>
+              <a:buChar char="•"/>
+              <a:defRPr sz="2000" kern="1200">
+                <a:solidFill>
+                  <a:schemeClr val="tx1">
+                    <a:lumMod val="65000"/>
+                    <a:lumOff val="35000"/>
+                  </a:schemeClr>
+                </a:solidFill>
+                <a:latin typeface="+mn-lt"/>
+                <a:ea typeface="+mn-ea"/>
+                <a:cs typeface="+mn-cs"/>
+              </a:defRPr>
+            </a:lvl1pPr>
+            <a:lvl2pPr marL="685800" indent="-228600" algn="l" defTabSz="914400" rtl="0" eaLnBrk="1" latinLnBrk="0" hangingPunct="1">
+              <a:lnSpc>
+                <a:spcPct val="110000"/>
+              </a:lnSpc>
+              <a:spcBef>
+                <a:spcPts val="700"/>
+              </a:spcBef>
+              <a:buClr>
+                <a:schemeClr val="tx2"/>
+              </a:buClr>
+              <a:buFont typeface="Gill Sans MT" panose="020B0502020104020203" pitchFamily="34" charset="0"/>
+              <a:buChar char="–"/>
+              <a:defRPr sz="1800" kern="1200">
+                <a:solidFill>
+                  <a:schemeClr val="tx1">
+                    <a:lumMod val="65000"/>
+                    <a:lumOff val="35000"/>
+                  </a:schemeClr>
+                </a:solidFill>
+                <a:latin typeface="+mn-lt"/>
+                <a:ea typeface="+mn-ea"/>
+                <a:cs typeface="+mn-cs"/>
+              </a:defRPr>
+            </a:lvl2pPr>
+            <a:lvl3pPr marL="1143000" indent="-228600" algn="l" defTabSz="914400" rtl="0" eaLnBrk="1" latinLnBrk="0" hangingPunct="1">
+              <a:lnSpc>
+                <a:spcPct val="110000"/>
+              </a:lnSpc>
+              <a:spcBef>
+                <a:spcPts val="700"/>
+              </a:spcBef>
+              <a:buClr>
+                <a:schemeClr val="tx2"/>
+              </a:buClr>
+              <a:buFont typeface="Arial" panose="020B0604020202020204" pitchFamily="34" charset="0"/>
+              <a:buChar char="•"/>
+              <a:defRPr sz="1600" kern="1200">
+                <a:solidFill>
+                  <a:schemeClr val="tx1">
+                    <a:lumMod val="65000"/>
+                    <a:lumOff val="35000"/>
+                  </a:schemeClr>
+                </a:solidFill>
+                <a:latin typeface="+mn-lt"/>
+                <a:ea typeface="+mn-ea"/>
+                <a:cs typeface="+mn-cs"/>
+              </a:defRPr>
+            </a:lvl3pPr>
+            <a:lvl4pPr marL="1600200" indent="-228600" algn="l" defTabSz="914400" rtl="0" eaLnBrk="1" latinLnBrk="0" hangingPunct="1">
+              <a:lnSpc>
+                <a:spcPct val="110000"/>
+              </a:lnSpc>
+              <a:spcBef>
+                <a:spcPts val="700"/>
+              </a:spcBef>
+              <a:buClr>
+                <a:schemeClr val="tx2"/>
+              </a:buClr>
+              <a:buFont typeface="Gill Sans MT" panose="020B0502020104020203" pitchFamily="34" charset="0"/>
+              <a:buChar char="–"/>
+              <a:defRPr sz="1400" kern="1200">
+                <a:solidFill>
+                  <a:schemeClr val="tx1">
+                    <a:lumMod val="65000"/>
+                    <a:lumOff val="35000"/>
+                  </a:schemeClr>
+                </a:solidFill>
+                <a:latin typeface="+mn-lt"/>
+                <a:ea typeface="+mn-ea"/>
+                <a:cs typeface="+mn-cs"/>
+              </a:defRPr>
+            </a:lvl4pPr>
+            <a:lvl5pPr marL="2057400" indent="-228600" algn="l" defTabSz="914400" rtl="0" eaLnBrk="1" latinLnBrk="0" hangingPunct="1">
+              <a:lnSpc>
+                <a:spcPct val="110000"/>
+              </a:lnSpc>
+              <a:spcBef>
+                <a:spcPts val="700"/>
+              </a:spcBef>
+              <a:buClr>
+                <a:schemeClr val="tx2"/>
+              </a:buClr>
+              <a:buFont typeface="Arial" panose="020B0604020202020204" pitchFamily="34" charset="0"/>
+              <a:buChar char="•"/>
+              <a:defRPr sz="1400" kern="1200">
+                <a:solidFill>
+                  <a:schemeClr val="tx1">
+                    <a:lumMod val="65000"/>
+                    <a:lumOff val="35000"/>
+                  </a:schemeClr>
+                </a:solidFill>
+                <a:latin typeface="+mn-lt"/>
+                <a:ea typeface="+mn-ea"/>
+                <a:cs typeface="+mn-cs"/>
+              </a:defRPr>
+            </a:lvl5pPr>
+            <a:lvl6pPr marL="2514600" indent="-228600" algn="l" defTabSz="914400" rtl="0" eaLnBrk="1" latinLnBrk="0" hangingPunct="1">
+              <a:lnSpc>
+                <a:spcPct val="110000"/>
+              </a:lnSpc>
+              <a:spcBef>
+                <a:spcPts val="700"/>
+              </a:spcBef>
+              <a:buClr>
+                <a:schemeClr val="tx2"/>
+              </a:buClr>
+              <a:buFont typeface="Gill Sans MT" panose="020B0502020104020203" pitchFamily="34" charset="0"/>
+              <a:buChar char="–"/>
+              <a:defRPr sz="1400" kern="1200">
+                <a:solidFill>
+                  <a:schemeClr val="tx1">
+                    <a:lumMod val="65000"/>
+                    <a:lumOff val="35000"/>
+                  </a:schemeClr>
+                </a:solidFill>
+                <a:latin typeface="+mn-lt"/>
+                <a:ea typeface="+mn-ea"/>
+                <a:cs typeface="+mn-cs"/>
+              </a:defRPr>
+            </a:lvl6pPr>
+            <a:lvl7pPr marL="2971800" indent="-228600" algn="l" defTabSz="914400" rtl="0" eaLnBrk="1" latinLnBrk="0" hangingPunct="1">
+              <a:lnSpc>
+                <a:spcPct val="110000"/>
+              </a:lnSpc>
+              <a:spcBef>
+                <a:spcPts val="700"/>
+              </a:spcBef>
+              <a:buClr>
+                <a:schemeClr val="tx2"/>
+              </a:buClr>
+              <a:buFont typeface="Arial" panose="020B0604020202020204" pitchFamily="34" charset="0"/>
+              <a:buChar char="•"/>
+              <a:defRPr sz="1400" kern="1200">
+                <a:solidFill>
+                  <a:schemeClr val="tx1">
+                    <a:lumMod val="65000"/>
+                    <a:lumOff val="35000"/>
+                  </a:schemeClr>
+                </a:solidFill>
+                <a:latin typeface="+mn-lt"/>
+                <a:ea typeface="+mn-ea"/>
+                <a:cs typeface="+mn-cs"/>
+              </a:defRPr>
+            </a:lvl7pPr>
+            <a:lvl8pPr marL="3429000" indent="-228600" algn="l" defTabSz="914400" rtl="0" eaLnBrk="1" latinLnBrk="0" hangingPunct="1">
+              <a:lnSpc>
+                <a:spcPct val="110000"/>
+              </a:lnSpc>
+              <a:spcBef>
+                <a:spcPts val="700"/>
+              </a:spcBef>
+              <a:buClr>
+                <a:schemeClr val="tx2"/>
+              </a:buClr>
+              <a:buFont typeface="Gill Sans MT" panose="020B0502020104020203" pitchFamily="34" charset="0"/>
+              <a:buChar char="–"/>
+              <a:defRPr sz="1400" kern="1200" baseline="0">
+                <a:solidFill>
+                  <a:schemeClr val="tx1">
+                    <a:lumMod val="65000"/>
+                    <a:lumOff val="35000"/>
+                  </a:schemeClr>
+                </a:solidFill>
+                <a:latin typeface="+mn-lt"/>
+                <a:ea typeface="+mn-ea"/>
+                <a:cs typeface="+mn-cs"/>
+              </a:defRPr>
+            </a:lvl8pPr>
+            <a:lvl9pPr marL="3886200" indent="-228600" algn="l" defTabSz="914400" rtl="0" eaLnBrk="1" latinLnBrk="0" hangingPunct="1">
+              <a:lnSpc>
+                <a:spcPct val="110000"/>
+              </a:lnSpc>
+              <a:spcBef>
+                <a:spcPts val="700"/>
+              </a:spcBef>
+              <a:buClr>
+                <a:schemeClr val="tx2"/>
+              </a:buClr>
+              <a:buFont typeface="Arial" panose="020B0604020202020204" pitchFamily="34" charset="0"/>
+              <a:buChar char="•"/>
+              <a:defRPr sz="1400" kern="1200" baseline="0">
+                <a:solidFill>
+                  <a:schemeClr val="tx1">
+                    <a:lumMod val="65000"/>
+                    <a:lumOff val="35000"/>
+                  </a:schemeClr>
+                </a:solidFill>
+                <a:latin typeface="+mn-lt"/>
+                <a:ea typeface="+mn-ea"/>
+                <a:cs typeface="+mn-cs"/>
+              </a:defRPr>
+            </a:lvl9pPr>
+          </a:lstStyle>
+          <a:p>
+            <a:r>
+              <a:rPr lang="nl-BE" dirty="0"/>
+              <a:t>Taxi laten springen op achterwielen</a:t>
+            </a:r>
+          </a:p>
+          <a:p>
+            <a:r>
+              <a:rPr lang="nl-BE" dirty="0"/>
+              <a:t>Speakers implementeren</a:t>
+            </a:r>
+          </a:p>
+          <a:p>
+            <a:endParaRPr lang="nl-BE" dirty="0"/>
+          </a:p>
+        </p:txBody>
+      </p:sp>
+      <p:pic>
+        <p:nvPicPr>
+          <p:cNvPr id="1026" name="Picture 2" descr="Taxi in Nederland - Prijzen, service en de beste tips - Holland.com">
+            <a:extLst>
+              <a:ext uri="{FF2B5EF4-FFF2-40B4-BE49-F238E27FC236}">
+                <a16:creationId xmlns:a16="http://schemas.microsoft.com/office/drawing/2014/main" id="{8C9E9831-DD63-BBDB-8F99-D2E07307306F}"/>
+              </a:ext>
+            </a:extLst>
+          </p:cNvPr>
+          <p:cNvPicPr>
+            <a:picLocks noChangeAspect="1" noChangeArrowheads="1"/>
+          </p:cNvPicPr>
+          <p:nvPr/>
+        </p:nvPicPr>
+        <p:blipFill>
+          <a:blip r:embed="rId2">
+            <a:extLst>
+              <a:ext uri="{28A0092B-C50C-407E-A947-70E740481C1C}">
+                <a14:useLocalDpi xmlns:a14="http://schemas.microsoft.com/office/drawing/2010/main" val="0"/>
+              </a:ext>
+            </a:extLst>
+          </a:blip>
+          <a:srcRect/>
+          <a:stretch>
+            <a:fillRect/>
+          </a:stretch>
+        </p:blipFill>
+        <p:spPr bwMode="auto">
+          <a:xfrm>
+            <a:off x="5651119" y="1581912"/>
+            <a:ext cx="5778881" cy="3335752"/>
+          </a:xfrm>
+          <a:prstGeom prst="rect">
+            <a:avLst/>
+          </a:prstGeom>
+          <a:noFill/>
+          <a:extLst>
+            <a:ext uri="{909E8E84-426E-40DD-AFC4-6F175D3DCCD1}">
+              <a14:hiddenFill xmlns:a14="http://schemas.microsoft.com/office/drawing/2010/main">
+                <a:solidFill>
+                  <a:srgbClr val="FFFFFF"/>
+                </a:solidFill>
+              </a14:hiddenFill>
+            </a:ext>
+          </a:extLst>
+        </p:spPr>
+      </p:pic>
+    </p:spTree>
+    <p:extLst>
+      <p:ext uri="{BB962C8B-B14F-4D97-AF65-F5344CB8AC3E}">
+        <p14:creationId xmlns:p14="http://schemas.microsoft.com/office/powerpoint/2010/main" val="1040646121"/>
+      </p:ext>
+    </p:extLst>
+  </p:cSld>
+  <p:clrMapOvr>
+    <a:masterClrMapping/>
+  </p:clrMapOvr>
+</p:sld>
+</file>
+
+<file path=ppt/slides/slide4.xml><?xml version="1.0" encoding="utf-8"?>
+<p:sld xmlns:a="http://schemas.openxmlformats.org/drawingml/2006/main" xmlns:r="http://schemas.openxmlformats.org/officeDocument/2006/relationships" xmlns:p="http://schemas.openxmlformats.org/presentationml/2006/main">
+  <p:cSld>
+    <p:spTree>
+      <p:nvGrpSpPr>
+        <p:cNvPr id="1" name=""/>
+        <p:cNvGrpSpPr/>
+        <p:nvPr/>
+      </p:nvGrpSpPr>
+      <p:grpSpPr>
+        <a:xfrm>
+          <a:off x="0" y="0"/>
+          <a:ext cx="0" cy="0"/>
+          <a:chOff x="0" y="0"/>
+          <a:chExt cx="0" cy="0"/>
+        </a:xfrm>
+      </p:grpSpPr>
+      <p:sp>
+        <p:nvSpPr>
+          <p:cNvPr id="2" name="Titel 1">
+            <a:extLst>
+              <a:ext uri="{FF2B5EF4-FFF2-40B4-BE49-F238E27FC236}">
+                <a16:creationId xmlns:a16="http://schemas.microsoft.com/office/drawing/2014/main" id="{43358A59-6BC3-614C-0025-6BCA5A863876}"/>
+              </a:ext>
+            </a:extLst>
+          </p:cNvPr>
+          <p:cNvSpPr txBox="1">
+            <a:spLocks/>
+          </p:cNvSpPr>
+          <p:nvPr/>
+        </p:nvSpPr>
+        <p:spPr>
+          <a:xfrm>
+            <a:off x="1251678" y="382385"/>
+            <a:ext cx="10178322" cy="1492132"/>
+          </a:xfrm>
+          <a:prstGeom prst="rect">
+            <a:avLst/>
+          </a:prstGeom>
+        </p:spPr>
+        <p:txBody>
+          <a:bodyPr/>
+          <a:lstStyle>
+            <a:lvl1pPr algn="l" defTabSz="914400" rtl="0" eaLnBrk="1" latinLnBrk="0" hangingPunct="1">
+              <a:lnSpc>
+                <a:spcPct val="90000"/>
+              </a:lnSpc>
+              <a:spcBef>
+                <a:spcPct val="0"/>
+              </a:spcBef>
+              <a:buNone/>
+              <a:defRPr sz="5100" kern="1200" cap="all" spc="200" baseline="0">
+                <a:solidFill>
+                  <a:schemeClr val="tx2"/>
+                </a:solidFill>
+                <a:latin typeface="+mj-lt"/>
+                <a:ea typeface="+mj-ea"/>
+                <a:cs typeface="+mj-cs"/>
+              </a:defRPr>
+            </a:lvl1pPr>
+          </a:lstStyle>
+          <a:p>
+            <a:r>
+              <a:rPr lang="nl-BE"/>
+              <a:t>Plan</a:t>
+            </a:r>
+            <a:endParaRPr lang="nl-BE" dirty="0"/>
+          </a:p>
+        </p:txBody>
+      </p:sp>
+      <p:sp>
+        <p:nvSpPr>
+          <p:cNvPr id="3" name="Tijdelijke aanduiding voor inhoud 2">
+            <a:extLst>
+              <a:ext uri="{FF2B5EF4-FFF2-40B4-BE49-F238E27FC236}">
+                <a16:creationId xmlns:a16="http://schemas.microsoft.com/office/drawing/2014/main" id="{F04F8FB2-E7C0-7809-9F4A-A97EF73F0D60}"/>
+              </a:ext>
+            </a:extLst>
+          </p:cNvPr>
+          <p:cNvSpPr txBox="1">
+            <a:spLocks/>
+          </p:cNvSpPr>
+          <p:nvPr/>
+        </p:nvSpPr>
+        <p:spPr>
+          <a:xfrm>
+            <a:off x="1251678" y="2286001"/>
+            <a:ext cx="10178322" cy="3593591"/>
+          </a:xfrm>
+          <a:prstGeom prst="rect">
+            <a:avLst/>
+          </a:prstGeom>
+        </p:spPr>
+        <p:txBody>
+          <a:bodyPr/>
+          <a:lstStyle>
+            <a:lvl1pPr marL="228600" indent="-228600" algn="l" defTabSz="914400" rtl="0" eaLnBrk="1" latinLnBrk="0" hangingPunct="1">
+              <a:lnSpc>
+                <a:spcPct val="110000"/>
+              </a:lnSpc>
+              <a:spcBef>
+                <a:spcPts val="700"/>
+              </a:spcBef>
+              <a:buClr>
+                <a:schemeClr val="tx2"/>
+              </a:buClr>
+              <a:buFont typeface="Arial" panose="020B0604020202020204" pitchFamily="34" charset="0"/>
+              <a:buChar char="•"/>
+              <a:defRPr sz="2000" kern="1200">
+                <a:solidFill>
+                  <a:schemeClr val="tx1">
+                    <a:lumMod val="65000"/>
+                    <a:lumOff val="35000"/>
+                  </a:schemeClr>
+                </a:solidFill>
+                <a:latin typeface="+mn-lt"/>
+                <a:ea typeface="+mn-ea"/>
+                <a:cs typeface="+mn-cs"/>
+              </a:defRPr>
+            </a:lvl1pPr>
+            <a:lvl2pPr marL="685800" indent="-228600" algn="l" defTabSz="914400" rtl="0" eaLnBrk="1" latinLnBrk="0" hangingPunct="1">
+              <a:lnSpc>
+                <a:spcPct val="110000"/>
+              </a:lnSpc>
+              <a:spcBef>
+                <a:spcPts val="700"/>
+              </a:spcBef>
+              <a:buClr>
+                <a:schemeClr val="tx2"/>
+              </a:buClr>
+              <a:buFont typeface="Gill Sans MT" panose="020B0502020104020203" pitchFamily="34" charset="0"/>
+              <a:buChar char="–"/>
+              <a:defRPr sz="1800" kern="1200">
+                <a:solidFill>
+                  <a:schemeClr val="tx1">
+                    <a:lumMod val="65000"/>
+                    <a:lumOff val="35000"/>
+                  </a:schemeClr>
+                </a:solidFill>
+                <a:latin typeface="+mn-lt"/>
+                <a:ea typeface="+mn-ea"/>
+                <a:cs typeface="+mn-cs"/>
+              </a:defRPr>
+            </a:lvl2pPr>
+            <a:lvl3pPr marL="1143000" indent="-228600" algn="l" defTabSz="914400" rtl="0" eaLnBrk="1" latinLnBrk="0" hangingPunct="1">
+              <a:lnSpc>
+                <a:spcPct val="110000"/>
+              </a:lnSpc>
+              <a:spcBef>
+                <a:spcPts val="700"/>
+              </a:spcBef>
+              <a:buClr>
+                <a:schemeClr val="tx2"/>
+              </a:buClr>
+              <a:buFont typeface="Arial" panose="020B0604020202020204" pitchFamily="34" charset="0"/>
+              <a:buChar char="•"/>
+              <a:defRPr sz="1600" kern="1200">
+                <a:solidFill>
+                  <a:schemeClr val="tx1">
+                    <a:lumMod val="65000"/>
+                    <a:lumOff val="35000"/>
+                  </a:schemeClr>
+                </a:solidFill>
+                <a:latin typeface="+mn-lt"/>
+                <a:ea typeface="+mn-ea"/>
+                <a:cs typeface="+mn-cs"/>
+              </a:defRPr>
+            </a:lvl3pPr>
+            <a:lvl4pPr marL="1600200" indent="-228600" algn="l" defTabSz="914400" rtl="0" eaLnBrk="1" latinLnBrk="0" hangingPunct="1">
+              <a:lnSpc>
+                <a:spcPct val="110000"/>
+              </a:lnSpc>
+              <a:spcBef>
+                <a:spcPts val="700"/>
+              </a:spcBef>
+              <a:buClr>
+                <a:schemeClr val="tx2"/>
+              </a:buClr>
+              <a:buFont typeface="Gill Sans MT" panose="020B0502020104020203" pitchFamily="34" charset="0"/>
+              <a:buChar char="–"/>
+              <a:defRPr sz="1400" kern="1200">
+                <a:solidFill>
+                  <a:schemeClr val="tx1">
+                    <a:lumMod val="65000"/>
+                    <a:lumOff val="35000"/>
+                  </a:schemeClr>
+                </a:solidFill>
+                <a:latin typeface="+mn-lt"/>
+                <a:ea typeface="+mn-ea"/>
+                <a:cs typeface="+mn-cs"/>
+              </a:defRPr>
+            </a:lvl4pPr>
+            <a:lvl5pPr marL="2057400" indent="-228600" algn="l" defTabSz="914400" rtl="0" eaLnBrk="1" latinLnBrk="0" hangingPunct="1">
+              <a:lnSpc>
+                <a:spcPct val="110000"/>
+              </a:lnSpc>
+              <a:spcBef>
+                <a:spcPts val="700"/>
+              </a:spcBef>
+              <a:buClr>
+                <a:schemeClr val="tx2"/>
+              </a:buClr>
+              <a:buFont typeface="Arial" panose="020B0604020202020204" pitchFamily="34" charset="0"/>
+              <a:buChar char="•"/>
+              <a:defRPr sz="1400" kern="1200">
+                <a:solidFill>
+                  <a:schemeClr val="tx1">
+                    <a:lumMod val="65000"/>
+                    <a:lumOff val="35000"/>
+                  </a:schemeClr>
+                </a:solidFill>
+                <a:latin typeface="+mn-lt"/>
+                <a:ea typeface="+mn-ea"/>
+                <a:cs typeface="+mn-cs"/>
+              </a:defRPr>
+            </a:lvl5pPr>
+            <a:lvl6pPr marL="2514600" indent="-228600" algn="l" defTabSz="914400" rtl="0" eaLnBrk="1" latinLnBrk="0" hangingPunct="1">
+              <a:lnSpc>
+                <a:spcPct val="110000"/>
+              </a:lnSpc>
+              <a:spcBef>
+                <a:spcPts val="700"/>
+              </a:spcBef>
+              <a:buClr>
+                <a:schemeClr val="tx2"/>
+              </a:buClr>
+              <a:buFont typeface="Gill Sans MT" panose="020B0502020104020203" pitchFamily="34" charset="0"/>
+              <a:buChar char="–"/>
+              <a:defRPr sz="1400" kern="1200">
+                <a:solidFill>
+                  <a:schemeClr val="tx1">
+                    <a:lumMod val="65000"/>
+                    <a:lumOff val="35000"/>
+                  </a:schemeClr>
+                </a:solidFill>
+                <a:latin typeface="+mn-lt"/>
+                <a:ea typeface="+mn-ea"/>
+                <a:cs typeface="+mn-cs"/>
+              </a:defRPr>
+            </a:lvl6pPr>
+            <a:lvl7pPr marL="2971800" indent="-228600" algn="l" defTabSz="914400" rtl="0" eaLnBrk="1" latinLnBrk="0" hangingPunct="1">
+              <a:lnSpc>
+                <a:spcPct val="110000"/>
+              </a:lnSpc>
+              <a:spcBef>
+                <a:spcPts val="700"/>
+              </a:spcBef>
+              <a:buClr>
+                <a:schemeClr val="tx2"/>
+              </a:buClr>
+              <a:buFont typeface="Arial" panose="020B0604020202020204" pitchFamily="34" charset="0"/>
+              <a:buChar char="•"/>
+              <a:defRPr sz="1400" kern="1200">
+                <a:solidFill>
+                  <a:schemeClr val="tx1">
+                    <a:lumMod val="65000"/>
+                    <a:lumOff val="35000"/>
+                  </a:schemeClr>
+                </a:solidFill>
+                <a:latin typeface="+mn-lt"/>
+                <a:ea typeface="+mn-ea"/>
+                <a:cs typeface="+mn-cs"/>
+              </a:defRPr>
+            </a:lvl7pPr>
+            <a:lvl8pPr marL="3429000" indent="-228600" algn="l" defTabSz="914400" rtl="0" eaLnBrk="1" latinLnBrk="0" hangingPunct="1">
+              <a:lnSpc>
+                <a:spcPct val="110000"/>
+              </a:lnSpc>
+              <a:spcBef>
+                <a:spcPts val="700"/>
+              </a:spcBef>
+              <a:buClr>
+                <a:schemeClr val="tx2"/>
+              </a:buClr>
+              <a:buFont typeface="Gill Sans MT" panose="020B0502020104020203" pitchFamily="34" charset="0"/>
+              <a:buChar char="–"/>
+              <a:defRPr sz="1400" kern="1200" baseline="0">
+                <a:solidFill>
+                  <a:schemeClr val="tx1">
+                    <a:lumMod val="65000"/>
+                    <a:lumOff val="35000"/>
+                  </a:schemeClr>
+                </a:solidFill>
+                <a:latin typeface="+mn-lt"/>
+                <a:ea typeface="+mn-ea"/>
+                <a:cs typeface="+mn-cs"/>
+              </a:defRPr>
+            </a:lvl8pPr>
+            <a:lvl9pPr marL="3886200" indent="-228600" algn="l" defTabSz="914400" rtl="0" eaLnBrk="1" latinLnBrk="0" hangingPunct="1">
+              <a:lnSpc>
+                <a:spcPct val="110000"/>
+              </a:lnSpc>
+              <a:spcBef>
+                <a:spcPts val="700"/>
+              </a:spcBef>
+              <a:buClr>
+                <a:schemeClr val="tx2"/>
+              </a:buClr>
+              <a:buFont typeface="Arial" panose="020B0604020202020204" pitchFamily="34" charset="0"/>
+              <a:buChar char="•"/>
+              <a:defRPr sz="1400" kern="1200" baseline="0">
+                <a:solidFill>
+                  <a:schemeClr val="tx1">
+                    <a:lumMod val="65000"/>
+                    <a:lumOff val="35000"/>
+                  </a:schemeClr>
+                </a:solidFill>
+                <a:latin typeface="+mn-lt"/>
+                <a:ea typeface="+mn-ea"/>
+                <a:cs typeface="+mn-cs"/>
+              </a:defRPr>
+            </a:lvl9pPr>
+          </a:lstStyle>
+          <a:p>
+            <a:r>
+              <a:rPr lang="nl-BE"/>
+              <a:t>Mechanisch systeem met motoraanvoer</a:t>
+            </a:r>
+          </a:p>
+          <a:p>
+            <a:pPr marL="0" indent="0">
+              <a:buNone/>
+            </a:pPr>
+            <a:r>
+              <a:rPr lang="nl-BE">
+                <a:sym typeface="Wingdings" panose="05000000000000000000" pitchFamily="2" charset="2"/>
+              </a:rPr>
+              <a:t> 3D print (zie demo)</a:t>
+            </a:r>
+            <a:endParaRPr lang="nl-BE"/>
+          </a:p>
+          <a:p>
+            <a:r>
+              <a:rPr lang="nl-BE"/>
+              <a:t>Speakersysteem</a:t>
+            </a:r>
+          </a:p>
+          <a:p>
+            <a:endParaRPr lang="nl-BE"/>
+          </a:p>
+          <a:p>
+            <a:endParaRPr lang="nl-BE" dirty="0"/>
+          </a:p>
+        </p:txBody>
+      </p:sp>
+      <p:pic>
+        <p:nvPicPr>
+          <p:cNvPr id="3074" name="Picture 2" descr="Meer dan 1.000 gratis afbeeldingen van Taxi en New York - Pixabay">
+            <a:extLst>
+              <a:ext uri="{FF2B5EF4-FFF2-40B4-BE49-F238E27FC236}">
+                <a16:creationId xmlns:a16="http://schemas.microsoft.com/office/drawing/2014/main" id="{7142633E-35B8-1832-2ADC-351FBB13F371}"/>
+              </a:ext>
+            </a:extLst>
+          </p:cNvPr>
+          <p:cNvPicPr>
+            <a:picLocks noChangeAspect="1" noChangeArrowheads="1"/>
+          </p:cNvPicPr>
+          <p:nvPr/>
+        </p:nvPicPr>
+        <p:blipFill>
+          <a:blip r:embed="rId2">
+            <a:extLst>
+              <a:ext uri="{28A0092B-C50C-407E-A947-70E740481C1C}">
+                <a14:useLocalDpi xmlns:a14="http://schemas.microsoft.com/office/drawing/2010/main" val="0"/>
+              </a:ext>
+            </a:extLst>
+          </a:blip>
+          <a:srcRect/>
+          <a:stretch>
+            <a:fillRect/>
+          </a:stretch>
+        </p:blipFill>
+        <p:spPr bwMode="auto">
+          <a:xfrm>
+            <a:off x="5805569" y="1273629"/>
+            <a:ext cx="5218923" cy="3914192"/>
+          </a:xfrm>
+          <a:prstGeom prst="rect">
+            <a:avLst/>
+          </a:prstGeom>
+          <a:noFill/>
+          <a:extLst>
+            <a:ext uri="{909E8E84-426E-40DD-AFC4-6F175D3DCCD1}">
+              <a14:hiddenFill xmlns:a14="http://schemas.microsoft.com/office/drawing/2010/main">
+                <a:solidFill>
+                  <a:srgbClr val="FFFFFF"/>
+                </a:solidFill>
+              </a14:hiddenFill>
+            </a:ext>
+          </a:extLst>
+        </p:spPr>
+      </p:pic>
+    </p:spTree>
+    <p:extLst>
+      <p:ext uri="{BB962C8B-B14F-4D97-AF65-F5344CB8AC3E}">
+        <p14:creationId xmlns:p14="http://schemas.microsoft.com/office/powerpoint/2010/main" val="1332868756"/>
+      </p:ext>
+    </p:extLst>
+  </p:cSld>
+  <p:clrMapOvr>
+    <a:masterClrMapping/>
+  </p:clrMapOvr>
+</p:sld>
+</file>
+
+<file path=ppt/slides/slide5.xml><?xml version="1.0" encoding="utf-8"?>
+<p:sld xmlns:a="http://schemas.openxmlformats.org/drawingml/2006/main" xmlns:r="http://schemas.openxmlformats.org/officeDocument/2006/relationships" xmlns:p="http://schemas.openxmlformats.org/presentationml/2006/main">
+  <p:cSld>
+    <p:spTree>
+      <p:nvGrpSpPr>
+        <p:cNvPr id="1" name=""/>
+        <p:cNvGrpSpPr/>
+        <p:nvPr/>
+      </p:nvGrpSpPr>
+      <p:grpSpPr>
+        <a:xfrm>
+          <a:off x="0" y="0"/>
+          <a:ext cx="0" cy="0"/>
+          <a:chOff x="0" y="0"/>
+          <a:chExt cx="0" cy="0"/>
+        </a:xfrm>
+      </p:grpSpPr>
+      <p:sp>
+        <p:nvSpPr>
+          <p:cNvPr id="2" name="Titel 1">
+            <a:extLst>
+              <a:ext uri="{FF2B5EF4-FFF2-40B4-BE49-F238E27FC236}">
                 <a16:creationId xmlns:a16="http://schemas.microsoft.com/office/drawing/2014/main" id="{552123FB-2100-0BD7-F069-80926F01D007}"/>
               </a:ext>
             </a:extLst>
@@ -9179,7 +10469,7 @@
 </p:sld>
 </file>
 
-<file path=ppt/slides/slide3.xml><?xml version="1.0" encoding="utf-8"?>
+<file path=ppt/slides/slide6.xml><?xml version="1.0" encoding="utf-8"?>
 <p:sld xmlns:a="http://schemas.openxmlformats.org/drawingml/2006/main" xmlns:r="http://schemas.openxmlformats.org/officeDocument/2006/relationships" xmlns:p="http://schemas.openxmlformats.org/presentationml/2006/main">
   <p:cSld>
     <p:spTree>
@@ -9273,9 +10563,12 @@
             </a:r>
           </a:p>
           <a:p>
+            <a:pPr marL="0" indent="0">
+              <a:buNone/>
+            </a:pPr>
             <a:r>
               <a:rPr lang="nl-BE" dirty="0"/>
-              <a:t>=&gt; probleem: eerst ander bordje uit 3D-printer met weinig info</a:t>
+              <a:t> =&gt; probleem: eerst ander bordje uit 3D-printer met weinig info</a:t>
             </a:r>
           </a:p>
           <a:p>
@@ -9343,7 +10636,7 @@
 </p:sld>
 </file>
 
-<file path=ppt/slides/slide4.xml><?xml version="1.0" encoding="utf-8"?>
+<file path=ppt/slides/slide7.xml><?xml version="1.0" encoding="utf-8"?>
 <p:sld xmlns:a="http://schemas.openxmlformats.org/drawingml/2006/main" xmlns:r="http://schemas.openxmlformats.org/officeDocument/2006/relationships" xmlns:p="http://schemas.openxmlformats.org/presentationml/2006/main">
   <p:cSld>
     <p:spTree>
@@ -9564,6 +10857,118 @@
     <p:extLst>
       <p:ext uri="{BB962C8B-B14F-4D97-AF65-F5344CB8AC3E}">
         <p14:creationId xmlns:p14="http://schemas.microsoft.com/office/powerpoint/2010/main" val="840168691"/>
+      </p:ext>
+    </p:extLst>
+  </p:cSld>
+  <p:clrMapOvr>
+    <a:masterClrMapping/>
+  </p:clrMapOvr>
+</p:sld>
+</file>
+
+<file path=ppt/slides/slide8.xml><?xml version="1.0" encoding="utf-8"?>
+<p:sld xmlns:a="http://schemas.openxmlformats.org/drawingml/2006/main" xmlns:r="http://schemas.openxmlformats.org/officeDocument/2006/relationships" xmlns:p="http://schemas.openxmlformats.org/presentationml/2006/main">
+  <p:cSld>
+    <p:spTree>
+      <p:nvGrpSpPr>
+        <p:cNvPr id="1" name=""/>
+        <p:cNvGrpSpPr/>
+        <p:nvPr/>
+      </p:nvGrpSpPr>
+      <p:grpSpPr>
+        <a:xfrm>
+          <a:off x="0" y="0"/>
+          <a:ext cx="0" cy="0"/>
+          <a:chOff x="0" y="0"/>
+          <a:chExt cx="0" cy="0"/>
+        </a:xfrm>
+      </p:grpSpPr>
+      <p:sp>
+        <p:nvSpPr>
+          <p:cNvPr id="2" name="Titel 1">
+            <a:extLst>
+              <a:ext uri="{FF2B5EF4-FFF2-40B4-BE49-F238E27FC236}">
+                <a16:creationId xmlns:a16="http://schemas.microsoft.com/office/drawing/2014/main" id="{2BE00D91-A0DD-2DF7-4F1E-49E21C969815}"/>
+              </a:ext>
+            </a:extLst>
+          </p:cNvPr>
+          <p:cNvSpPr>
+            <a:spLocks noGrp="1"/>
+          </p:cNvSpPr>
+          <p:nvPr>
+            <p:ph type="title"/>
+          </p:nvPr>
+        </p:nvSpPr>
+        <p:spPr/>
+        <p:txBody>
+          <a:bodyPr/>
+          <a:lstStyle/>
+          <a:p>
+            <a:r>
+              <a:rPr lang="nl-BE" dirty="0"/>
+              <a:t>Project </a:t>
+            </a:r>
+            <a:r>
+              <a:rPr lang="nl-BE" dirty="0" err="1"/>
+              <a:t>Experience</a:t>
+            </a:r>
+            <a:r>
+              <a:rPr lang="nl-BE" dirty="0"/>
+              <a:t>: </a:t>
+            </a:r>
+            <a:br>
+              <a:rPr lang="nl-BE" dirty="0"/>
+            </a:br>
+            <a:r>
+              <a:rPr lang="nl-BE" dirty="0"/>
+              <a:t>Taxi</a:t>
+            </a:r>
+            <a:endParaRPr lang="en-BE" dirty="0"/>
+          </a:p>
+        </p:txBody>
+      </p:sp>
+      <p:sp>
+        <p:nvSpPr>
+          <p:cNvPr id="3" name="Tijdelijke aanduiding voor tekst 2">
+            <a:extLst>
+              <a:ext uri="{FF2B5EF4-FFF2-40B4-BE49-F238E27FC236}">
+                <a16:creationId xmlns:a16="http://schemas.microsoft.com/office/drawing/2014/main" id="{98B9BF6D-1119-9503-F406-3F5A7C4B9596}"/>
+              </a:ext>
+            </a:extLst>
+          </p:cNvPr>
+          <p:cNvSpPr>
+            <a:spLocks noGrp="1"/>
+          </p:cNvSpPr>
+          <p:nvPr>
+            <p:ph type="body" idx="1"/>
+          </p:nvPr>
+        </p:nvSpPr>
+        <p:spPr>
+          <a:xfrm>
+            <a:off x="3242930" y="5159781"/>
+            <a:ext cx="8187070" cy="951135"/>
+          </a:xfrm>
+        </p:spPr>
+        <p:txBody>
+          <a:bodyPr/>
+          <a:lstStyle/>
+          <a:p>
+            <a:r>
+              <a:rPr lang="nl-BE" dirty="0" err="1"/>
+              <a:t>By</a:t>
+            </a:r>
+            <a:r>
+              <a:rPr lang="nl-BE" dirty="0"/>
+              <a:t> Xander, Colin, alberiek &amp; Esteban</a:t>
+            </a:r>
+            <a:endParaRPr lang="en-BE" dirty="0"/>
+          </a:p>
+        </p:txBody>
+      </p:sp>
+    </p:spTree>
+    <p:extLst>
+      <p:ext uri="{BB962C8B-B14F-4D97-AF65-F5344CB8AC3E}">
+        <p14:creationId xmlns:p14="http://schemas.microsoft.com/office/powerpoint/2010/main" val="1027773849"/>
       </p:ext>
     </p:extLst>
   </p:cSld>
@@ -10601,20 +12006,20 @@
 </file>
 
 <file path=customXml/item2.xml><?xml version="1.0" encoding="utf-8"?>
-<p:properties xmlns:p="http://schemas.microsoft.com/office/2006/metadata/properties" xmlns:xsi="http://www.w3.org/2001/XMLSchema-instance" xmlns:pc="http://schemas.microsoft.com/office/infopath/2007/PartnerControls">
-  <documentManagement>
-    <MediaServiceKeyPoints xmlns="71af3243-3dd4-4a8d-8c0d-dd76da1f02a5" xsi:nil="true"/>
-  </documentManagement>
-</p:properties>
-</file>
-
-<file path=customXml/item3.xml><?xml version="1.0" encoding="utf-8"?>
 <?mso-contentType ?>
 <FormTemplates xmlns="http://schemas.microsoft.com/sharepoint/v3/contenttype/forms">
   <Display>DocumentLibraryForm</Display>
   <Edit>DocumentLibraryForm</Edit>
   <New>DocumentLibraryForm</New>
 </FormTemplates>
+</file>
+
+<file path=customXml/item3.xml><?xml version="1.0" encoding="utf-8"?>
+<p:properties xmlns:p="http://schemas.microsoft.com/office/2006/metadata/properties" xmlns:xsi="http://www.w3.org/2001/XMLSchema-instance" xmlns:pc="http://schemas.microsoft.com/office/infopath/2007/PartnerControls">
+  <documentManagement>
+    <MediaServiceKeyPoints xmlns="71af3243-3dd4-4a8d-8c0d-dd76da1f02a5" xsi:nil="true"/>
+  </documentManagement>
+</p:properties>
 </file>
 
 <file path=customXml/itemProps1.xml><?xml version="1.0" encoding="utf-8"?>
@@ -10637,6 +12042,14 @@
 </file>
 
 <file path=customXml/itemProps2.xml><?xml version="1.0" encoding="utf-8"?>
+<ds:datastoreItem xmlns:ds="http://schemas.openxmlformats.org/officeDocument/2006/customXml" ds:itemID="{032C9D10-CA80-4BC9-9D59-B4B9486E9328}">
+  <ds:schemaRefs>
+    <ds:schemaRef ds:uri="http://schemas.microsoft.com/sharepoint/v3/contenttype/forms"/>
+  </ds:schemaRefs>
+</ds:datastoreItem>
+</file>
+
+<file path=customXml/itemProps3.xml><?xml version="1.0" encoding="utf-8"?>
 <ds:datastoreItem xmlns:ds="http://schemas.openxmlformats.org/officeDocument/2006/customXml" ds:itemID="{055D5C12-9048-448D-A69C-F00736C0732E}">
   <ds:schemaRefs>
     <ds:schemaRef ds:uri="http://schemas.microsoft.com/office/2006/metadata/properties"/>
@@ -10644,12 +12057,4 @@
     <ds:schemaRef ds:uri="71af3243-3dd4-4a8d-8c0d-dd76da1f02a5"/>
   </ds:schemaRefs>
 </ds:datastoreItem>
-</file>
-
-<file path=customXml/itemProps3.xml><?xml version="1.0" encoding="utf-8"?>
-<ds:datastoreItem xmlns:ds="http://schemas.openxmlformats.org/officeDocument/2006/customXml" ds:itemID="{032C9D10-CA80-4BC9-9D59-B4B9486E9328}">
-  <ds:schemaRefs>
-    <ds:schemaRef ds:uri="http://schemas.microsoft.com/sharepoint/v3/contenttype/forms"/>
-  </ds:schemaRefs>
-</ds:datastoreItem>
 </file>
--- a/School presentatie/project taxi.pptx
+++ b/School presentatie/project taxi.pptx
@@ -5,20 +5,19 @@
     <p:sldMasterId id="2147483648" r:id="rId4"/>
   </p:sldMasterIdLst>
   <p:notesMasterIdLst>
-    <p:notesMasterId r:id="rId13"/>
+    <p:notesMasterId r:id="rId12"/>
   </p:notesMasterIdLst>
   <p:handoutMasterIdLst>
-    <p:handoutMasterId r:id="rId14"/>
+    <p:handoutMasterId r:id="rId13"/>
   </p:handoutMasterIdLst>
   <p:sldIdLst>
     <p:sldId id="267" r:id="rId5"/>
     <p:sldId id="273" r:id="rId6"/>
     <p:sldId id="274" r:id="rId7"/>
     <p:sldId id="275" r:id="rId8"/>
-    <p:sldId id="271" r:id="rId9"/>
-    <p:sldId id="272" r:id="rId10"/>
-    <p:sldId id="269" r:id="rId11"/>
-    <p:sldId id="276" r:id="rId12"/>
+    <p:sldId id="272" r:id="rId9"/>
+    <p:sldId id="269" r:id="rId10"/>
+    <p:sldId id="276" r:id="rId11"/>
   </p:sldIdLst>
   <p:sldSz cx="12192000" cy="6858000"/>
   <p:notesSz cx="6858000" cy="9144000"/>
@@ -814,7 +813,7 @@
     </p:spTree>
     <p:extLst>
       <p:ext uri="{BB962C8B-B14F-4D97-AF65-F5344CB8AC3E}">
-        <p14:creationId xmlns:p14="http://schemas.microsoft.com/office/powerpoint/2010/main" val="2248530251"/>
+        <p14:creationId xmlns:p14="http://schemas.microsoft.com/office/powerpoint/2010/main" val="2611662488"/>
       </p:ext>
     </p:extLst>
   </p:cSld>
@@ -868,7 +867,7 @@
           <a:bodyPr/>
           <a:lstStyle/>
           <a:p>
-            <a:endParaRPr lang="nl-BE" dirty="0"/>
+            <a:endParaRPr lang="en-BE" dirty="0"/>
           </a:p>
         </p:txBody>
       </p:sp>
@@ -890,92 +889,7 @@
             <a:pPr rtl="0"/>
             <a:fld id="{62B46F2B-1084-40BA-9F0A-B1F6847335C5}" type="slidenum">
               <a:rPr lang="fr-FR" noProof="0" smtClean="0"/>
-              <a:t>6</a:t>
-            </a:fld>
-            <a:endParaRPr lang="fr-FR" noProof="0"/>
-          </a:p>
-        </p:txBody>
-      </p:sp>
-    </p:spTree>
-    <p:extLst>
-      <p:ext uri="{BB962C8B-B14F-4D97-AF65-F5344CB8AC3E}">
-        <p14:creationId xmlns:p14="http://schemas.microsoft.com/office/powerpoint/2010/main" val="2611662488"/>
-      </p:ext>
-    </p:extLst>
-  </p:cSld>
-  <p:clrMapOvr>
-    <a:masterClrMapping/>
-  </p:clrMapOvr>
-</p:notes>
-</file>
-
-<file path=ppt/notesSlides/notesSlide4.xml><?xml version="1.0" encoding="utf-8"?>
-<p:notes xmlns:a="http://schemas.openxmlformats.org/drawingml/2006/main" xmlns:r="http://schemas.openxmlformats.org/officeDocument/2006/relationships" xmlns:p="http://schemas.openxmlformats.org/presentationml/2006/main">
-  <p:cSld>
-    <p:spTree>
-      <p:nvGrpSpPr>
-        <p:cNvPr id="1" name=""/>
-        <p:cNvGrpSpPr/>
-        <p:nvPr/>
-      </p:nvGrpSpPr>
-      <p:grpSpPr>
-        <a:xfrm>
-          <a:off x="0" y="0"/>
-          <a:ext cx="0" cy="0"/>
-          <a:chOff x="0" y="0"/>
-          <a:chExt cx="0" cy="0"/>
-        </a:xfrm>
-      </p:grpSpPr>
-      <p:sp>
-        <p:nvSpPr>
-          <p:cNvPr id="2" name="Tijdelijke aanduiding voor dia-afbeelding 1"/>
-          <p:cNvSpPr>
-            <a:spLocks noGrp="1" noRot="1" noChangeAspect="1"/>
-          </p:cNvSpPr>
-          <p:nvPr>
-            <p:ph type="sldImg"/>
-          </p:nvPr>
-        </p:nvSpPr>
-        <p:spPr/>
-      </p:sp>
-      <p:sp>
-        <p:nvSpPr>
-          <p:cNvPr id="3" name="Tijdelijke aanduiding voor notities 2"/>
-          <p:cNvSpPr>
-            <a:spLocks noGrp="1"/>
-          </p:cNvSpPr>
-          <p:nvPr>
-            <p:ph type="body" idx="1"/>
-          </p:nvPr>
-        </p:nvSpPr>
-        <p:spPr/>
-        <p:txBody>
-          <a:bodyPr/>
-          <a:lstStyle/>
-          <a:p>
-            <a:endParaRPr lang="en-BE" dirty="0"/>
-          </a:p>
-        </p:txBody>
-      </p:sp>
-      <p:sp>
-        <p:nvSpPr>
-          <p:cNvPr id="4" name="Tijdelijke aanduiding voor dianummer 3"/>
-          <p:cNvSpPr>
-            <a:spLocks noGrp="1"/>
-          </p:cNvSpPr>
-          <p:nvPr>
-            <p:ph type="sldNum" sz="quarter" idx="5"/>
-          </p:nvPr>
-        </p:nvSpPr>
-        <p:spPr/>
-        <p:txBody>
-          <a:bodyPr/>
-          <a:lstStyle/>
-          <a:p>
-            <a:pPr rtl="0"/>
-            <a:fld id="{62B46F2B-1084-40BA-9F0A-B1F6847335C5}" type="slidenum">
-              <a:rPr lang="fr-FR" noProof="0" smtClean="0"/>
-              <a:t>8</a:t>
+              <a:t>7</a:t>
             </a:fld>
             <a:endParaRPr lang="fr-FR" noProof="0"/>
           </a:p>
@@ -10306,191 +10220,6 @@
           <p:cNvPr id="2" name="Titel 1">
             <a:extLst>
               <a:ext uri="{FF2B5EF4-FFF2-40B4-BE49-F238E27FC236}">
-                <a16:creationId xmlns:a16="http://schemas.microsoft.com/office/drawing/2014/main" id="{552123FB-2100-0BD7-F069-80926F01D007}"/>
-              </a:ext>
-            </a:extLst>
-          </p:cNvPr>
-          <p:cNvSpPr>
-            <a:spLocks noGrp="1"/>
-          </p:cNvSpPr>
-          <p:nvPr>
-            <p:ph type="title"/>
-          </p:nvPr>
-        </p:nvSpPr>
-        <p:spPr/>
-        <p:txBody>
-          <a:bodyPr/>
-          <a:lstStyle/>
-          <a:p>
-            <a:r>
-              <a:rPr lang="nl-BE" dirty="0"/>
-              <a:t>Project </a:t>
-            </a:r>
-            <a:r>
-              <a:rPr lang="nl-BE" dirty="0" err="1"/>
-              <a:t>TAxi</a:t>
-            </a:r>
-            <a:endParaRPr lang="nl-BE" dirty="0"/>
-          </a:p>
-        </p:txBody>
-      </p:sp>
-      <p:sp>
-        <p:nvSpPr>
-          <p:cNvPr id="3" name="Tijdelijke aanduiding voor inhoud 2">
-            <a:extLst>
-              <a:ext uri="{FF2B5EF4-FFF2-40B4-BE49-F238E27FC236}">
-                <a16:creationId xmlns:a16="http://schemas.microsoft.com/office/drawing/2014/main" id="{022E2498-75E1-B343-0CE8-783319869FA3}"/>
-              </a:ext>
-            </a:extLst>
-          </p:cNvPr>
-          <p:cNvSpPr>
-            <a:spLocks noGrp="1"/>
-          </p:cNvSpPr>
-          <p:nvPr>
-            <p:ph idx="1"/>
-          </p:nvPr>
-        </p:nvSpPr>
-        <p:spPr/>
-        <p:txBody>
-          <a:bodyPr/>
-          <a:lstStyle/>
-          <a:p>
-            <a:r>
-              <a:rPr lang="nl-BE" dirty="0"/>
-              <a:t>Bewegen van taxi op achterwielen en speakers implementeren</a:t>
-            </a:r>
-          </a:p>
-        </p:txBody>
-      </p:sp>
-      <p:pic>
-        <p:nvPicPr>
-          <p:cNvPr id="2050" name="Picture 2" descr="Taxi (1998 film) - Wikipedia">
-            <a:extLst>
-              <a:ext uri="{FF2B5EF4-FFF2-40B4-BE49-F238E27FC236}">
-                <a16:creationId xmlns:a16="http://schemas.microsoft.com/office/drawing/2014/main" id="{3A4805A5-F1AF-7D79-AD34-C695DE4AF776}"/>
-              </a:ext>
-            </a:extLst>
-          </p:cNvPr>
-          <p:cNvPicPr>
-            <a:picLocks noChangeAspect="1" noChangeArrowheads="1"/>
-          </p:cNvPicPr>
-          <p:nvPr/>
-        </p:nvPicPr>
-        <p:blipFill>
-          <a:blip r:embed="rId3">
-            <a:extLst>
-              <a:ext uri="{28A0092B-C50C-407E-A947-70E740481C1C}">
-                <a14:useLocalDpi xmlns:a14="http://schemas.microsoft.com/office/drawing/2010/main" val="0"/>
-              </a:ext>
-            </a:extLst>
-          </a:blip>
-          <a:srcRect/>
-          <a:stretch>
-            <a:fillRect/>
-          </a:stretch>
-        </p:blipFill>
-        <p:spPr bwMode="auto">
-          <a:xfrm>
-            <a:off x="8702198" y="497011"/>
-            <a:ext cx="2333625" cy="3857625"/>
-          </a:xfrm>
-          <a:prstGeom prst="rect">
-            <a:avLst/>
-          </a:prstGeom>
-          <a:noFill/>
-          <a:extLst>
-            <a:ext uri="{909E8E84-426E-40DD-AFC4-6F175D3DCCD1}">
-              <a14:hiddenFill xmlns:a14="http://schemas.microsoft.com/office/drawing/2010/main">
-                <a:solidFill>
-                  <a:srgbClr val="FFFFFF"/>
-                </a:solidFill>
-              </a14:hiddenFill>
-            </a:ext>
-          </a:extLst>
-        </p:spPr>
-      </p:pic>
-      <p:pic>
-        <p:nvPicPr>
-          <p:cNvPr id="2052" name="Picture 4" descr="Voorbeeld van afbeelding">
-            <a:extLst>
-              <a:ext uri="{FF2B5EF4-FFF2-40B4-BE49-F238E27FC236}">
-                <a16:creationId xmlns:a16="http://schemas.microsoft.com/office/drawing/2014/main" id="{861B5A9F-FE27-F3C2-13B6-0D2BA4517B0E}"/>
-              </a:ext>
-            </a:extLst>
-          </p:cNvPr>
-          <p:cNvPicPr>
-            <a:picLocks noChangeAspect="1" noChangeArrowheads="1"/>
-          </p:cNvPicPr>
-          <p:nvPr/>
-        </p:nvPicPr>
-        <p:blipFill>
-          <a:blip r:embed="rId4">
-            <a:extLst>
-              <a:ext uri="{28A0092B-C50C-407E-A947-70E740481C1C}">
-                <a14:useLocalDpi xmlns:a14="http://schemas.microsoft.com/office/drawing/2010/main" val="0"/>
-              </a:ext>
-            </a:extLst>
-          </a:blip>
-          <a:srcRect/>
-          <a:stretch>
-            <a:fillRect/>
-          </a:stretch>
-        </p:blipFill>
-        <p:spPr bwMode="auto">
-          <a:xfrm>
-            <a:off x="1830880" y="3168395"/>
-            <a:ext cx="5324522" cy="2566035"/>
-          </a:xfrm>
-          <a:prstGeom prst="rect">
-            <a:avLst/>
-          </a:prstGeom>
-          <a:noFill/>
-          <a:extLst>
-            <a:ext uri="{909E8E84-426E-40DD-AFC4-6F175D3DCCD1}">
-              <a14:hiddenFill xmlns:a14="http://schemas.microsoft.com/office/drawing/2010/main">
-                <a:solidFill>
-                  <a:srgbClr val="FFFFFF"/>
-                </a:solidFill>
-              </a14:hiddenFill>
-            </a:ext>
-          </a:extLst>
-        </p:spPr>
-      </p:pic>
-    </p:spTree>
-    <p:extLst>
-      <p:ext uri="{BB962C8B-B14F-4D97-AF65-F5344CB8AC3E}">
-        <p14:creationId xmlns:p14="http://schemas.microsoft.com/office/powerpoint/2010/main" val="2085757618"/>
-      </p:ext>
-    </p:extLst>
-  </p:cSld>
-  <p:clrMapOvr>
-    <a:masterClrMapping/>
-  </p:clrMapOvr>
-</p:sld>
-</file>
-
-<file path=ppt/slides/slide6.xml><?xml version="1.0" encoding="utf-8"?>
-<p:sld xmlns:a="http://schemas.openxmlformats.org/drawingml/2006/main" xmlns:r="http://schemas.openxmlformats.org/officeDocument/2006/relationships" xmlns:p="http://schemas.openxmlformats.org/presentationml/2006/main">
-  <p:cSld>
-    <p:spTree>
-      <p:nvGrpSpPr>
-        <p:cNvPr id="1" name=""/>
-        <p:cNvGrpSpPr/>
-        <p:nvPr/>
-      </p:nvGrpSpPr>
-      <p:grpSpPr>
-        <a:xfrm>
-          <a:off x="0" y="0"/>
-          <a:ext cx="0" cy="0"/>
-          <a:chOff x="0" y="0"/>
-          <a:chExt cx="0" cy="0"/>
-        </a:xfrm>
-      </p:grpSpPr>
-      <p:sp>
-        <p:nvSpPr>
-          <p:cNvPr id="2" name="Titel 1">
-            <a:extLst>
-              <a:ext uri="{FF2B5EF4-FFF2-40B4-BE49-F238E27FC236}">
                 <a16:creationId xmlns:a16="http://schemas.microsoft.com/office/drawing/2014/main" id="{E2B8D03D-99B3-B670-E0E5-463EF91DDB82}"/>
               </a:ext>
             </a:extLst>
@@ -10636,7 +10365,7 @@
 </p:sld>
 </file>
 
-<file path=ppt/slides/slide7.xml><?xml version="1.0" encoding="utf-8"?>
+<file path=ppt/slides/slide6.xml><?xml version="1.0" encoding="utf-8"?>
 <p:sld xmlns:a="http://schemas.openxmlformats.org/drawingml/2006/main" xmlns:r="http://schemas.openxmlformats.org/officeDocument/2006/relationships" xmlns:p="http://schemas.openxmlformats.org/presentationml/2006/main">
   <p:cSld>
     <p:spTree>
@@ -10866,7 +10595,7 @@
 </p:sld>
 </file>
 
-<file path=ppt/slides/slide8.xml><?xml version="1.0" encoding="utf-8"?>
+<file path=ppt/slides/slide7.xml><?xml version="1.0" encoding="utf-8"?>
 <p:sld xmlns:a="http://schemas.openxmlformats.org/drawingml/2006/main" xmlns:r="http://schemas.openxmlformats.org/officeDocument/2006/relationships" xmlns:p="http://schemas.openxmlformats.org/presentationml/2006/main">
   <p:cSld>
     <p:spTree>
@@ -11795,6 +11524,15 @@
 </file>
 
 <file path=customXml/item1.xml><?xml version="1.0" encoding="utf-8"?>
+<?mso-contentType ?>
+<FormTemplates xmlns="http://schemas.microsoft.com/sharepoint/v3/contenttype/forms">
+  <Display>DocumentLibraryForm</Display>
+  <Edit>DocumentLibraryForm</Edit>
+  <New>DocumentLibraryForm</New>
+</FormTemplates>
+</file>
+
+<file path=customXml/item2.xml><?xml version="1.0" encoding="utf-8"?>
 <ct:contentTypeSchema xmlns:ct="http://schemas.microsoft.com/office/2006/metadata/contentType" xmlns:ma="http://schemas.microsoft.com/office/2006/metadata/properties/metaAttributes" ct:_="" ma:_="" ma:contentTypeName="Document" ma:contentTypeID="0x01010079F111ED35F8CC479449609E8A0923A6" ma:contentTypeVersion="11" ma:contentTypeDescription="Create a new document." ma:contentTypeScope="" ma:versionID="9677210f24a1be23c92c90fd886aa0aa">
   <xsd:schema xmlns:xsd="http://www.w3.org/2001/XMLSchema" xmlns:xs="http://www.w3.org/2001/XMLSchema" xmlns:p="http://schemas.microsoft.com/office/2006/metadata/properties" xmlns:ns2="71af3243-3dd4-4a8d-8c0d-dd76da1f02a5" xmlns:ns3="16c05727-aa75-4e4a-9b5f-8a80a1165891" targetNamespace="http://schemas.microsoft.com/office/2006/metadata/properties" ma:root="true" ma:fieldsID="60e05723c5c1908df1a1a4ebf11d344e" ns2:_="" ns3:_="">
     <xsd:import namespace="71af3243-3dd4-4a8d-8c0d-dd76da1f02a5"/>
@@ -12005,15 +11743,6 @@
 </ct:contentTypeSchema>
 </file>
 
-<file path=customXml/item2.xml><?xml version="1.0" encoding="utf-8"?>
-<?mso-contentType ?>
-<FormTemplates xmlns="http://schemas.microsoft.com/sharepoint/v3/contenttype/forms">
-  <Display>DocumentLibraryForm</Display>
-  <Edit>DocumentLibraryForm</Edit>
-  <New>DocumentLibraryForm</New>
-</FormTemplates>
-</file>
-
 <file path=customXml/item3.xml><?xml version="1.0" encoding="utf-8"?>
 <p:properties xmlns:p="http://schemas.microsoft.com/office/2006/metadata/properties" xmlns:xsi="http://www.w3.org/2001/XMLSchema-instance" xmlns:pc="http://schemas.microsoft.com/office/infopath/2007/PartnerControls">
   <documentManagement>
@@ -12023,6 +11752,14 @@
 </file>
 
 <file path=customXml/itemProps1.xml><?xml version="1.0" encoding="utf-8"?>
+<ds:datastoreItem xmlns:ds="http://schemas.openxmlformats.org/officeDocument/2006/customXml" ds:itemID="{032C9D10-CA80-4BC9-9D59-B4B9486E9328}">
+  <ds:schemaRefs>
+    <ds:schemaRef ds:uri="http://schemas.microsoft.com/sharepoint/v3/contenttype/forms"/>
+  </ds:schemaRefs>
+</ds:datastoreItem>
+</file>
+
+<file path=customXml/itemProps2.xml><?xml version="1.0" encoding="utf-8"?>
 <ds:datastoreItem xmlns:ds="http://schemas.openxmlformats.org/officeDocument/2006/customXml" ds:itemID="{DD0DBFED-7AB5-403D-9982-F81C20C3F5BA}">
   <ds:schemaRefs>
     <ds:schemaRef ds:uri="http://schemas.microsoft.com/office/2006/metadata/contentType"/>
@@ -12041,14 +11778,6 @@
 </ds:datastoreItem>
 </file>
 
-<file path=customXml/itemProps2.xml><?xml version="1.0" encoding="utf-8"?>
-<ds:datastoreItem xmlns:ds="http://schemas.openxmlformats.org/officeDocument/2006/customXml" ds:itemID="{032C9D10-CA80-4BC9-9D59-B4B9486E9328}">
-  <ds:schemaRefs>
-    <ds:schemaRef ds:uri="http://schemas.microsoft.com/sharepoint/v3/contenttype/forms"/>
-  </ds:schemaRefs>
-</ds:datastoreItem>
-</file>
-
 <file path=customXml/itemProps3.xml><?xml version="1.0" encoding="utf-8"?>
 <ds:datastoreItem xmlns:ds="http://schemas.openxmlformats.org/officeDocument/2006/customXml" ds:itemID="{055D5C12-9048-448D-A69C-F00736C0732E}">
   <ds:schemaRefs>

--- a/School presentatie/project taxi.pptx
+++ b/School presentatie/project taxi.pptx
@@ -9324,12 +9324,6 @@
           <a:p>
             <a:r>
               <a:rPr lang="nl-BE" dirty="0"/>
-              <a:t>Project taxi</a:t>
-            </a:r>
-          </a:p>
-          <a:p>
-            <a:r>
-              <a:rPr lang="nl-BE" dirty="0"/>
               <a:t>Prototype Scharniersysteem</a:t>
             </a:r>
           </a:p>
@@ -10463,27 +10457,19 @@
           </a:p>
           <a:p>
             <a:r>
-              <a:rPr lang="nl-BE" dirty="0"/>
-              <a:t>Nog op te lossen:</a:t>
-            </a:r>
-          </a:p>
-          <a:p>
-            <a:pPr marL="0" indent="0">
-              <a:buNone/>
-            </a:pPr>
-            <a:r>
-              <a:rPr lang="nl-BE" dirty="0">
-                <a:sym typeface="Wingdings" panose="05000000000000000000" pitchFamily="2" charset="2"/>
-              </a:rPr>
-              <a:t>	 </a:t>
-            </a:r>
-            <a:r>
               <a:rPr lang="nl-BE" dirty="0" err="1"/>
               <a:t>Versterkingschakeling</a:t>
             </a:r>
             <a:r>
+              <a:rPr lang="nl-BE"/>
+              <a:t> maken</a:t>
+            </a:r>
+            <a:endParaRPr lang="nl-BE" dirty="0"/>
+          </a:p>
+          <a:p>
+            <a:r>
               <a:rPr lang="nl-BE" dirty="0"/>
-              <a:t> maken.</a:t>
+              <a:t>Nog op te lossen:</a:t>
             </a:r>
           </a:p>
           <a:p>
@@ -11524,15 +11510,6 @@
 </file>
 
 <file path=customXml/item1.xml><?xml version="1.0" encoding="utf-8"?>
-<?mso-contentType ?>
-<FormTemplates xmlns="http://schemas.microsoft.com/sharepoint/v3/contenttype/forms">
-  <Display>DocumentLibraryForm</Display>
-  <Edit>DocumentLibraryForm</Edit>
-  <New>DocumentLibraryForm</New>
-</FormTemplates>
-</file>
-
-<file path=customXml/item2.xml><?xml version="1.0" encoding="utf-8"?>
 <ct:contentTypeSchema xmlns:ct="http://schemas.microsoft.com/office/2006/metadata/contentType" xmlns:ma="http://schemas.microsoft.com/office/2006/metadata/properties/metaAttributes" ct:_="" ma:_="" ma:contentTypeName="Document" ma:contentTypeID="0x01010079F111ED35F8CC479449609E8A0923A6" ma:contentTypeVersion="11" ma:contentTypeDescription="Create a new document." ma:contentTypeScope="" ma:versionID="9677210f24a1be23c92c90fd886aa0aa">
   <xsd:schema xmlns:xsd="http://www.w3.org/2001/XMLSchema" xmlns:xs="http://www.w3.org/2001/XMLSchema" xmlns:p="http://schemas.microsoft.com/office/2006/metadata/properties" xmlns:ns2="71af3243-3dd4-4a8d-8c0d-dd76da1f02a5" xmlns:ns3="16c05727-aa75-4e4a-9b5f-8a80a1165891" targetNamespace="http://schemas.microsoft.com/office/2006/metadata/properties" ma:root="true" ma:fieldsID="60e05723c5c1908df1a1a4ebf11d344e" ns2:_="" ns3:_="">
     <xsd:import namespace="71af3243-3dd4-4a8d-8c0d-dd76da1f02a5"/>
@@ -11743,6 +11720,15 @@
 </ct:contentTypeSchema>
 </file>
 
+<file path=customXml/item2.xml><?xml version="1.0" encoding="utf-8"?>
+<?mso-contentType ?>
+<FormTemplates xmlns="http://schemas.microsoft.com/sharepoint/v3/contenttype/forms">
+  <Display>DocumentLibraryForm</Display>
+  <Edit>DocumentLibraryForm</Edit>
+  <New>DocumentLibraryForm</New>
+</FormTemplates>
+</file>
+
 <file path=customXml/item3.xml><?xml version="1.0" encoding="utf-8"?>
 <p:properties xmlns:p="http://schemas.microsoft.com/office/2006/metadata/properties" xmlns:xsi="http://www.w3.org/2001/XMLSchema-instance" xmlns:pc="http://schemas.microsoft.com/office/infopath/2007/PartnerControls">
   <documentManagement>
@@ -11752,14 +11738,6 @@
 </file>
 
 <file path=customXml/itemProps1.xml><?xml version="1.0" encoding="utf-8"?>
-<ds:datastoreItem xmlns:ds="http://schemas.openxmlformats.org/officeDocument/2006/customXml" ds:itemID="{032C9D10-CA80-4BC9-9D59-B4B9486E9328}">
-  <ds:schemaRefs>
-    <ds:schemaRef ds:uri="http://schemas.microsoft.com/sharepoint/v3/contenttype/forms"/>
-  </ds:schemaRefs>
-</ds:datastoreItem>
-</file>
-
-<file path=customXml/itemProps2.xml><?xml version="1.0" encoding="utf-8"?>
 <ds:datastoreItem xmlns:ds="http://schemas.openxmlformats.org/officeDocument/2006/customXml" ds:itemID="{DD0DBFED-7AB5-403D-9982-F81C20C3F5BA}">
   <ds:schemaRefs>
     <ds:schemaRef ds:uri="http://schemas.microsoft.com/office/2006/metadata/contentType"/>
@@ -11778,6 +11756,14 @@
 </ds:datastoreItem>
 </file>
 
+<file path=customXml/itemProps2.xml><?xml version="1.0" encoding="utf-8"?>
+<ds:datastoreItem xmlns:ds="http://schemas.openxmlformats.org/officeDocument/2006/customXml" ds:itemID="{032C9D10-CA80-4BC9-9D59-B4B9486E9328}">
+  <ds:schemaRefs>
+    <ds:schemaRef ds:uri="http://schemas.microsoft.com/sharepoint/v3/contenttype/forms"/>
+  </ds:schemaRefs>
+</ds:datastoreItem>
+</file>
+
 <file path=customXml/itemProps3.xml><?xml version="1.0" encoding="utf-8"?>
 <ds:datastoreItem xmlns:ds="http://schemas.openxmlformats.org/officeDocument/2006/customXml" ds:itemID="{055D5C12-9048-448D-A69C-F00736C0732E}">
   <ds:schemaRefs>

--- a/School presentatie/project taxi.pptx
+++ b/School presentatie/project taxi.pptx
@@ -10457,14 +10457,9 @@
           </a:p>
           <a:p>
             <a:r>
-              <a:rPr lang="nl-BE" dirty="0" err="1"/>
-              <a:t>Versterkingschakeling</a:t>
+              <a:rPr lang="nl-BE" dirty="0"/>
+              <a:t>Versterkingsschakeling maken</a:t>
             </a:r>
-            <a:r>
-              <a:rPr lang="nl-BE"/>
-              <a:t> maken</a:t>
-            </a:r>
-            <a:endParaRPr lang="nl-BE" dirty="0"/>
           </a:p>
           <a:p>
             <a:r>
@@ -11510,6 +11505,15 @@
 </file>
 
 <file path=customXml/item1.xml><?xml version="1.0" encoding="utf-8"?>
+<?mso-contentType ?>
+<FormTemplates xmlns="http://schemas.microsoft.com/sharepoint/v3/contenttype/forms">
+  <Display>DocumentLibraryForm</Display>
+  <Edit>DocumentLibraryForm</Edit>
+  <New>DocumentLibraryForm</New>
+</FormTemplates>
+</file>
+
+<file path=customXml/item2.xml><?xml version="1.0" encoding="utf-8"?>
 <ct:contentTypeSchema xmlns:ct="http://schemas.microsoft.com/office/2006/metadata/contentType" xmlns:ma="http://schemas.microsoft.com/office/2006/metadata/properties/metaAttributes" ct:_="" ma:_="" ma:contentTypeName="Document" ma:contentTypeID="0x01010079F111ED35F8CC479449609E8A0923A6" ma:contentTypeVersion="11" ma:contentTypeDescription="Create a new document." ma:contentTypeScope="" ma:versionID="9677210f24a1be23c92c90fd886aa0aa">
   <xsd:schema xmlns:xsd="http://www.w3.org/2001/XMLSchema" xmlns:xs="http://www.w3.org/2001/XMLSchema" xmlns:p="http://schemas.microsoft.com/office/2006/metadata/properties" xmlns:ns2="71af3243-3dd4-4a8d-8c0d-dd76da1f02a5" xmlns:ns3="16c05727-aa75-4e4a-9b5f-8a80a1165891" targetNamespace="http://schemas.microsoft.com/office/2006/metadata/properties" ma:root="true" ma:fieldsID="60e05723c5c1908df1a1a4ebf11d344e" ns2:_="" ns3:_="">
     <xsd:import namespace="71af3243-3dd4-4a8d-8c0d-dd76da1f02a5"/>
@@ -11720,15 +11724,6 @@
 </ct:contentTypeSchema>
 </file>
 
-<file path=customXml/item2.xml><?xml version="1.0" encoding="utf-8"?>
-<?mso-contentType ?>
-<FormTemplates xmlns="http://schemas.microsoft.com/sharepoint/v3/contenttype/forms">
-  <Display>DocumentLibraryForm</Display>
-  <Edit>DocumentLibraryForm</Edit>
-  <New>DocumentLibraryForm</New>
-</FormTemplates>
-</file>
-
 <file path=customXml/item3.xml><?xml version="1.0" encoding="utf-8"?>
 <p:properties xmlns:p="http://schemas.microsoft.com/office/2006/metadata/properties" xmlns:xsi="http://www.w3.org/2001/XMLSchema-instance" xmlns:pc="http://schemas.microsoft.com/office/infopath/2007/PartnerControls">
   <documentManagement>
@@ -11738,6 +11733,14 @@
 </file>
 
 <file path=customXml/itemProps1.xml><?xml version="1.0" encoding="utf-8"?>
+<ds:datastoreItem xmlns:ds="http://schemas.openxmlformats.org/officeDocument/2006/customXml" ds:itemID="{032C9D10-CA80-4BC9-9D59-B4B9486E9328}">
+  <ds:schemaRefs>
+    <ds:schemaRef ds:uri="http://schemas.microsoft.com/sharepoint/v3/contenttype/forms"/>
+  </ds:schemaRefs>
+</ds:datastoreItem>
+</file>
+
+<file path=customXml/itemProps2.xml><?xml version="1.0" encoding="utf-8"?>
 <ds:datastoreItem xmlns:ds="http://schemas.openxmlformats.org/officeDocument/2006/customXml" ds:itemID="{DD0DBFED-7AB5-403D-9982-F81C20C3F5BA}">
   <ds:schemaRefs>
     <ds:schemaRef ds:uri="http://schemas.microsoft.com/office/2006/metadata/contentType"/>
@@ -11756,14 +11759,6 @@
 </ds:datastoreItem>
 </file>
 
-<file path=customXml/itemProps2.xml><?xml version="1.0" encoding="utf-8"?>
-<ds:datastoreItem xmlns:ds="http://schemas.openxmlformats.org/officeDocument/2006/customXml" ds:itemID="{032C9D10-CA80-4BC9-9D59-B4B9486E9328}">
-  <ds:schemaRefs>
-    <ds:schemaRef ds:uri="http://schemas.microsoft.com/sharepoint/v3/contenttype/forms"/>
-  </ds:schemaRefs>
-</ds:datastoreItem>
-</file>
-
 <file path=customXml/itemProps3.xml><?xml version="1.0" encoding="utf-8"?>
 <ds:datastoreItem xmlns:ds="http://schemas.openxmlformats.org/officeDocument/2006/customXml" ds:itemID="{055D5C12-9048-448D-A69C-F00736C0732E}">
   <ds:schemaRefs>
